--- a/Hackathon_NIST.pptx
+++ b/Hackathon_NIST.pptx
@@ -21,35 +21,31 @@
     <p:sldId id="266" r:id="rId16"/>
     <p:sldId id="267" r:id="rId17"/>
     <p:sldId id="268" r:id="rId18"/>
+    <p:sldId id="269" r:id="rId19"/>
   </p:sldIdLst>
   <p:sldSz cy="5143500" cx="9144000"/>
   <p:notesSz cx="6858000" cy="9144000"/>
   <p:embeddedFontLst>
     <p:embeddedFont>
       <p:font typeface="Raleway"/>
-      <p:regular r:id="rId19"/>
-      <p:bold r:id="rId20"/>
-      <p:italic r:id="rId21"/>
-      <p:boldItalic r:id="rId22"/>
+      <p:regular r:id="rId20"/>
+      <p:bold r:id="rId21"/>
+      <p:italic r:id="rId22"/>
+      <p:boldItalic r:id="rId23"/>
     </p:embeddedFont>
     <p:embeddedFont>
       <p:font typeface="Roboto"/>
-      <p:regular r:id="rId23"/>
-      <p:bold r:id="rId24"/>
-      <p:italic r:id="rId25"/>
-      <p:boldItalic r:id="rId26"/>
+      <p:regular r:id="rId24"/>
+      <p:bold r:id="rId25"/>
+      <p:italic r:id="rId26"/>
+      <p:boldItalic r:id="rId27"/>
     </p:embeddedFont>
     <p:embeddedFont>
       <p:font typeface="Lato"/>
-      <p:regular r:id="rId27"/>
-      <p:bold r:id="rId28"/>
-      <p:italic r:id="rId29"/>
-      <p:boldItalic r:id="rId30"/>
-    </p:embeddedFont>
-    <p:embeddedFont>
-      <p:font typeface="Lato Black"/>
-      <p:bold r:id="rId31"/>
-      <p:boldItalic r:id="rId32"/>
+      <p:regular r:id="rId28"/>
+      <p:bold r:id="rId29"/>
+      <p:italic r:id="rId30"/>
+      <p:boldItalic r:id="rId31"/>
     </p:embeddedFont>
   </p:embeddedFontLst>
   <p:defaultTextStyle>
@@ -830,7 +826,7 @@
   <p:cSld>
     <p:spTree>
       <p:nvGrpSpPr>
-        <p:cNvPr id="162" name="Shape 162"/>
+        <p:cNvPr id="197" name="Shape 197"/>
         <p:cNvGrpSpPr/>
         <p:nvPr/>
       </p:nvGrpSpPr>
@@ -844,7 +840,7 @@
       </p:grpSpPr>
       <p:sp>
         <p:nvSpPr>
-          <p:cNvPr id="163" name="Google Shape;163;g2f5de2e9aaf_0_873:notes"/>
+          <p:cNvPr id="198" name="Google Shape;198;g28188eb9ff4_0_367:notes"/>
           <p:cNvSpPr/>
           <p:nvPr>
             <p:ph idx="2" type="sldImg"/>
@@ -879,7 +875,7 @@
       </p:sp>
       <p:sp>
         <p:nvSpPr>
-          <p:cNvPr id="164" name="Google Shape;164;g2f5de2e9aaf_0_873:notes"/>
+          <p:cNvPr id="199" name="Google Shape;199;g28188eb9ff4_0_367:notes"/>
           <p:cNvSpPr txBox="1"/>
           <p:nvPr>
             <p:ph idx="1" type="body"/>
@@ -929,7 +925,7 @@
   <p:cSld>
     <p:spTree>
       <p:nvGrpSpPr>
-        <p:cNvPr id="169" name="Shape 169"/>
+        <p:cNvPr id="208" name="Shape 208"/>
         <p:cNvGrpSpPr/>
         <p:nvPr/>
       </p:nvGrpSpPr>
@@ -943,7 +939,7 @@
       </p:grpSpPr>
       <p:sp>
         <p:nvSpPr>
-          <p:cNvPr id="170" name="Google Shape;170;g2f5de2e9aaf_0_880:notes"/>
+          <p:cNvPr id="209" name="Google Shape;209;g2f5de2e9aaf_0_873:notes"/>
           <p:cNvSpPr/>
           <p:nvPr>
             <p:ph idx="2" type="sldImg"/>
@@ -978,7 +974,7 @@
       </p:sp>
       <p:sp>
         <p:nvSpPr>
-          <p:cNvPr id="171" name="Google Shape;171;g2f5de2e9aaf_0_880:notes"/>
+          <p:cNvPr id="210" name="Google Shape;210;g2f5de2e9aaf_0_873:notes"/>
           <p:cNvSpPr txBox="1"/>
           <p:nvPr>
             <p:ph idx="1" type="body"/>
@@ -1028,7 +1024,7 @@
   <p:cSld>
     <p:spTree>
       <p:nvGrpSpPr>
-        <p:cNvPr id="176" name="Shape 176"/>
+        <p:cNvPr id="219" name="Shape 219"/>
         <p:cNvGrpSpPr/>
         <p:nvPr/>
       </p:nvGrpSpPr>
@@ -1042,7 +1038,7 @@
       </p:grpSpPr>
       <p:sp>
         <p:nvSpPr>
-          <p:cNvPr id="177" name="Google Shape;177;g28188eb9ff4_0_301:notes"/>
+          <p:cNvPr id="220" name="Google Shape;220;g2f5de2e9aaf_0_880:notes"/>
           <p:cNvSpPr/>
           <p:nvPr>
             <p:ph idx="2" type="sldImg"/>
@@ -1077,7 +1073,7 @@
       </p:sp>
       <p:sp>
         <p:nvSpPr>
-          <p:cNvPr id="178" name="Google Shape;178;g28188eb9ff4_0_301:notes"/>
+          <p:cNvPr id="221" name="Google Shape;221;g2f5de2e9aaf_0_880:notes"/>
           <p:cNvSpPr txBox="1"/>
           <p:nvPr>
             <p:ph idx="1" type="body"/>
@@ -1127,7 +1123,7 @@
   <p:cSld>
     <p:spTree>
       <p:nvGrpSpPr>
-        <p:cNvPr id="182" name="Shape 182"/>
+        <p:cNvPr id="230" name="Shape 230"/>
         <p:cNvGrpSpPr/>
         <p:nvPr/>
       </p:nvGrpSpPr>
@@ -1141,7 +1137,7 @@
       </p:grpSpPr>
       <p:sp>
         <p:nvSpPr>
-          <p:cNvPr id="183" name="Google Shape;183;g28188eb9ff4_0_693:notes"/>
+          <p:cNvPr id="231" name="Google Shape;231;g28188eb9ff4_0_301:notes"/>
           <p:cNvSpPr/>
           <p:nvPr>
             <p:ph idx="2" type="sldImg"/>
@@ -1176,7 +1172,7 @@
       </p:sp>
       <p:sp>
         <p:nvSpPr>
-          <p:cNvPr id="184" name="Google Shape;184;g28188eb9ff4_0_693:notes"/>
+          <p:cNvPr id="232" name="Google Shape;232;g28188eb9ff4_0_301:notes"/>
           <p:cNvSpPr txBox="1"/>
           <p:nvPr>
             <p:ph idx="1" type="body"/>
@@ -1221,12 +1217,12 @@
 </p:notes>
 </file>
 
-<file path=ppt/notesSlides/notesSlide2.xml><?xml version="1.0" encoding="utf-8"?>
+<file path=ppt/notesSlides/notesSlide14.xml><?xml version="1.0" encoding="utf-8"?>
 <p:notes xmlns:a="http://schemas.openxmlformats.org/drawingml/2006/main" xmlns:r="http://schemas.openxmlformats.org/officeDocument/2006/relationships" xmlns:mc="http://schemas.openxmlformats.org/markup-compatibility/2006" xmlns:mv="urn:schemas-microsoft-com:mac:vml" xmlns:p="http://schemas.openxmlformats.org/presentationml/2006/main" xmlns:c="http://schemas.openxmlformats.org/drawingml/2006/chart" xmlns:dgm="http://schemas.openxmlformats.org/drawingml/2006/diagram" xmlns:o="urn:schemas-microsoft-com:office:office" xmlns:v="urn:schemas-microsoft-com:vml" xmlns:pvml="urn:schemas-microsoft-com:office:powerpoint" xmlns:com="http://schemas.openxmlformats.org/drawingml/2006/compatibility" xmlns:p14="http://schemas.microsoft.com/office/powerpoint/2010/main" xmlns:p15="http://schemas.microsoft.com/office/powerpoint/2012/main" xmlns:ahyp="http://schemas.microsoft.com/office/drawing/2018/hyperlinkcolor" showMasterPhAnim="0" showMasterSp="0">
   <p:cSld>
     <p:spTree>
       <p:nvGrpSpPr>
-        <p:cNvPr id="91" name="Shape 91"/>
+        <p:cNvPr id="240" name="Shape 240"/>
         <p:cNvGrpSpPr/>
         <p:nvPr/>
       </p:nvGrpSpPr>
@@ -1240,7 +1236,7 @@
       </p:grpSpPr>
       <p:sp>
         <p:nvSpPr>
-          <p:cNvPr id="92" name="Google Shape;92;g28188eb9ff4_0_6:notes"/>
+          <p:cNvPr id="241" name="Google Shape;241;g28188eb9ff4_0_693:notes"/>
           <p:cNvSpPr/>
           <p:nvPr>
             <p:ph idx="2" type="sldImg"/>
@@ -1275,7 +1271,7 @@
       </p:sp>
       <p:sp>
         <p:nvSpPr>
-          <p:cNvPr id="93" name="Google Shape;93;g28188eb9ff4_0_6:notes"/>
+          <p:cNvPr id="242" name="Google Shape;242;g28188eb9ff4_0_693:notes"/>
           <p:cNvSpPr txBox="1"/>
           <p:nvPr>
             <p:ph idx="1" type="body"/>
@@ -1297,33 +1293,16 @@
           <a:lstStyle/>
           <a:p>
             <a:pPr indent="0" lvl="0" marL="0" rtl="0" algn="l">
-              <a:lnSpc>
-                <a:spcPct val="115000"/>
-              </a:lnSpc>
-              <a:spcBef>
-                <a:spcPts val="0"/>
-              </a:spcBef>
-              <a:spcAft>
-                <a:spcPts val="1200"/>
-              </a:spcAft>
-              <a:buClr>
-                <a:schemeClr val="dk1"/>
-              </a:buClr>
-              <a:buSzPts val="1100"/>
-              <a:buFont typeface="Arial"/>
+              <a:spcBef>
+                <a:spcPts val="0"/>
+              </a:spcBef>
+              <a:spcAft>
+                <a:spcPts val="0"/>
+              </a:spcAft>
               <a:buNone/>
             </a:pPr>
             <a:r>
-              <a:rPr lang="en" sz="1500">
-                <a:solidFill>
-                  <a:srgbClr val="595959"/>
-                </a:solidFill>
-                <a:latin typeface="Lato"/>
-                <a:ea typeface="Lato"/>
-                <a:cs typeface="Lato"/>
-                <a:sym typeface="Lato"/>
-              </a:rPr>
-              <a:t>Difference: Part 1 with missing frames as the reference; part 2 without missing frames. Similarity is that we should find the relationship between the sequential data.</a:t>
+              <a:t/>
             </a:r>
             <a:endParaRPr/>
           </a:p>
@@ -1337,12 +1316,12 @@
 </p:notes>
 </file>
 
-<file path=ppt/notesSlides/notesSlide3.xml><?xml version="1.0" encoding="utf-8"?>
+<file path=ppt/notesSlides/notesSlide2.xml><?xml version="1.0" encoding="utf-8"?>
 <p:notes xmlns:a="http://schemas.openxmlformats.org/drawingml/2006/main" xmlns:r="http://schemas.openxmlformats.org/officeDocument/2006/relationships" xmlns:mc="http://schemas.openxmlformats.org/markup-compatibility/2006" xmlns:mv="urn:schemas-microsoft-com:mac:vml" xmlns:p="http://schemas.openxmlformats.org/presentationml/2006/main" xmlns:c="http://schemas.openxmlformats.org/drawingml/2006/chart" xmlns:dgm="http://schemas.openxmlformats.org/drawingml/2006/diagram" xmlns:o="urn:schemas-microsoft-com:office:office" xmlns:v="urn:schemas-microsoft-com:vml" xmlns:pvml="urn:schemas-microsoft-com:office:powerpoint" xmlns:com="http://schemas.openxmlformats.org/drawingml/2006/compatibility" xmlns:p14="http://schemas.microsoft.com/office/powerpoint/2010/main" xmlns:p15="http://schemas.microsoft.com/office/powerpoint/2012/main" xmlns:ahyp="http://schemas.microsoft.com/office/drawing/2018/hyperlinkcolor" showMasterPhAnim="0" showMasterSp="0">
   <p:cSld>
     <p:spTree>
       <p:nvGrpSpPr>
-        <p:cNvPr id="97" name="Shape 97"/>
+        <p:cNvPr id="92" name="Shape 92"/>
         <p:cNvGrpSpPr/>
         <p:nvPr/>
       </p:nvGrpSpPr>
@@ -1356,7 +1335,7 @@
       </p:grpSpPr>
       <p:sp>
         <p:nvSpPr>
-          <p:cNvPr id="98" name="Google Shape;98;g28188eb9ff4_0_309:notes"/>
+          <p:cNvPr id="93" name="Google Shape;93;g28188eb9ff4_0_6:notes"/>
           <p:cNvSpPr/>
           <p:nvPr>
             <p:ph idx="2" type="sldImg"/>
@@ -1391,7 +1370,7 @@
       </p:sp>
       <p:sp>
         <p:nvSpPr>
-          <p:cNvPr id="99" name="Google Shape;99;g28188eb9ff4_0_309:notes"/>
+          <p:cNvPr id="94" name="Google Shape;94;g28188eb9ff4_0_6:notes"/>
           <p:cNvSpPr txBox="1"/>
           <p:nvPr>
             <p:ph idx="1" type="body"/>
@@ -1413,17 +1392,33 @@
           <a:lstStyle/>
           <a:p>
             <a:pPr indent="0" lvl="0" marL="0" rtl="0" algn="l">
-              <a:spcBef>
-                <a:spcPts val="0"/>
-              </a:spcBef>
-              <a:spcAft>
-                <a:spcPts val="0"/>
-              </a:spcAft>
+              <a:lnSpc>
+                <a:spcPct val="115000"/>
+              </a:lnSpc>
+              <a:spcBef>
+                <a:spcPts val="0"/>
+              </a:spcBef>
+              <a:spcAft>
+                <a:spcPts val="1200"/>
+              </a:spcAft>
+              <a:buClr>
+                <a:schemeClr val="dk1"/>
+              </a:buClr>
+              <a:buSzPts val="1100"/>
+              <a:buFont typeface="Arial"/>
               <a:buNone/>
             </a:pPr>
             <a:r>
-              <a:rPr lang="en"/>
-              <a:t>In the context of frame comparison, MSE helps to determine how much one frame deviates from another, indicating changes, anomalies, or potential missing frames.</a:t>
+              <a:rPr lang="en" sz="1500">
+                <a:solidFill>
+                  <a:srgbClr val="595959"/>
+                </a:solidFill>
+                <a:latin typeface="Lato"/>
+                <a:ea typeface="Lato"/>
+                <a:cs typeface="Lato"/>
+                <a:sym typeface="Lato"/>
+              </a:rPr>
+              <a:t>Difference: Part 1 with missing frames as the reference; part 2 without missing frames. Similarity is that we should find the relationship between the sequential data.</a:t>
             </a:r>
             <a:endParaRPr/>
           </a:p>
@@ -1437,12 +1432,12 @@
 </p:notes>
 </file>
 
-<file path=ppt/notesSlides/notesSlide4.xml><?xml version="1.0" encoding="utf-8"?>
+<file path=ppt/notesSlides/notesSlide3.xml><?xml version="1.0" encoding="utf-8"?>
 <p:notes xmlns:a="http://schemas.openxmlformats.org/drawingml/2006/main" xmlns:r="http://schemas.openxmlformats.org/officeDocument/2006/relationships" xmlns:mc="http://schemas.openxmlformats.org/markup-compatibility/2006" xmlns:mv="urn:schemas-microsoft-com:mac:vml" xmlns:p="http://schemas.openxmlformats.org/presentationml/2006/main" xmlns:c="http://schemas.openxmlformats.org/drawingml/2006/chart" xmlns:dgm="http://schemas.openxmlformats.org/drawingml/2006/diagram" xmlns:o="urn:schemas-microsoft-com:office:office" xmlns:v="urn:schemas-microsoft-com:vml" xmlns:pvml="urn:schemas-microsoft-com:office:powerpoint" xmlns:com="http://schemas.openxmlformats.org/drawingml/2006/compatibility" xmlns:p14="http://schemas.microsoft.com/office/powerpoint/2010/main" xmlns:p15="http://schemas.microsoft.com/office/powerpoint/2012/main" xmlns:ahyp="http://schemas.microsoft.com/office/drawing/2018/hyperlinkcolor" showMasterPhAnim="0" showMasterSp="0">
   <p:cSld>
     <p:spTree>
       <p:nvGrpSpPr>
-        <p:cNvPr id="104" name="Shape 104"/>
+        <p:cNvPr id="102" name="Shape 102"/>
         <p:cNvGrpSpPr/>
         <p:nvPr/>
       </p:nvGrpSpPr>
@@ -1456,7 +1451,7 @@
       </p:grpSpPr>
       <p:sp>
         <p:nvSpPr>
-          <p:cNvPr id="105" name="Google Shape;105;g281871f3b98_1_0:notes"/>
+          <p:cNvPr id="103" name="Google Shape;103;g28188eb9ff4_0_309:notes"/>
           <p:cNvSpPr/>
           <p:nvPr>
             <p:ph idx="2" type="sldImg"/>
@@ -1491,7 +1486,7 @@
       </p:sp>
       <p:sp>
         <p:nvSpPr>
-          <p:cNvPr id="106" name="Google Shape;106;g281871f3b98_1_0:notes"/>
+          <p:cNvPr id="104" name="Google Shape;104;g28188eb9ff4_0_309:notes"/>
           <p:cNvSpPr txBox="1"/>
           <p:nvPr>
             <p:ph idx="1" type="body"/>
@@ -1522,7 +1517,8 @@
               <a:buNone/>
             </a:pPr>
             <a:r>
-              <a:t/>
+              <a:rPr lang="en"/>
+              <a:t>In the context of frame comparison, MSE helps to determine how much one frame deviates from another, indicating changes, anomalies, or potential missing frames.</a:t>
             </a:r>
             <a:endParaRPr/>
           </a:p>
@@ -1536,12 +1532,12 @@
 </p:notes>
 </file>
 
-<file path=ppt/notesSlides/notesSlide5.xml><?xml version="1.0" encoding="utf-8"?>
+<file path=ppt/notesSlides/notesSlide4.xml><?xml version="1.0" encoding="utf-8"?>
 <p:notes xmlns:a="http://schemas.openxmlformats.org/drawingml/2006/main" xmlns:r="http://schemas.openxmlformats.org/officeDocument/2006/relationships" xmlns:mc="http://schemas.openxmlformats.org/markup-compatibility/2006" xmlns:mv="urn:schemas-microsoft-com:mac:vml" xmlns:p="http://schemas.openxmlformats.org/presentationml/2006/main" xmlns:c="http://schemas.openxmlformats.org/drawingml/2006/chart" xmlns:dgm="http://schemas.openxmlformats.org/drawingml/2006/diagram" xmlns:o="urn:schemas-microsoft-com:office:office" xmlns:v="urn:schemas-microsoft-com:vml" xmlns:pvml="urn:schemas-microsoft-com:office:powerpoint" xmlns:com="http://schemas.openxmlformats.org/drawingml/2006/compatibility" xmlns:p14="http://schemas.microsoft.com/office/powerpoint/2010/main" xmlns:p15="http://schemas.microsoft.com/office/powerpoint/2012/main" xmlns:ahyp="http://schemas.microsoft.com/office/drawing/2018/hyperlinkcolor" showMasterPhAnim="0" showMasterSp="0">
   <p:cSld>
     <p:spTree>
       <p:nvGrpSpPr>
-        <p:cNvPr id="110" name="Shape 110"/>
+        <p:cNvPr id="113" name="Shape 113"/>
         <p:cNvGrpSpPr/>
         <p:nvPr/>
       </p:nvGrpSpPr>
@@ -1555,7 +1551,7 @@
       </p:grpSpPr>
       <p:sp>
         <p:nvSpPr>
-          <p:cNvPr id="111" name="Google Shape;111;g2f5de2e9aaf_0_535:notes"/>
+          <p:cNvPr id="114" name="Google Shape;114;g281871f3b98_1_0:notes"/>
           <p:cNvSpPr/>
           <p:nvPr>
             <p:ph idx="2" type="sldImg"/>
@@ -1590,7 +1586,7 @@
       </p:sp>
       <p:sp>
         <p:nvSpPr>
-          <p:cNvPr id="112" name="Google Shape;112;g2f5de2e9aaf_0_535:notes"/>
+          <p:cNvPr id="115" name="Google Shape;115;g281871f3b98_1_0:notes"/>
           <p:cNvSpPr txBox="1"/>
           <p:nvPr>
             <p:ph idx="1" type="body"/>
@@ -1612,43 +1608,8 @@
           <a:lstStyle/>
           <a:p>
             <a:pPr indent="0" lvl="0" marL="0" rtl="0" algn="l">
-              <a:lnSpc>
-                <a:spcPct val="115000"/>
-              </a:lnSpc>
-              <a:spcBef>
-                <a:spcPts val="1500"/>
-              </a:spcBef>
-              <a:spcAft>
-                <a:spcPts val="0"/>
-              </a:spcAft>
-              <a:buNone/>
-            </a:pPr>
-            <a:r>
-              <a:rPr lang="en" sz="1500">
-                <a:solidFill>
-                  <a:schemeClr val="dk1"/>
-                </a:solidFill>
-                <a:latin typeface="Lato"/>
-                <a:ea typeface="Lato"/>
-                <a:cs typeface="Lato"/>
-                <a:sym typeface="Lato"/>
-              </a:rPr>
-              <a:t>Predicts Expected Frames: LSTM can predict what the next frame should look like based on past frames, allowing for precise detection of any missing frames</a:t>
-            </a:r>
-            <a:endParaRPr sz="1500">
-              <a:solidFill>
-                <a:schemeClr val="dk1"/>
-              </a:solidFill>
-              <a:latin typeface="Lato"/>
-              <a:ea typeface="Lato"/>
-              <a:cs typeface="Lato"/>
-              <a:sym typeface="Lato"/>
-            </a:endParaRPr>
-          </a:p>
-          <a:p>
-            <a:pPr indent="0" lvl="0" marL="0" rtl="0" algn="l">
-              <a:spcBef>
-                <a:spcPts val="1500"/>
+              <a:spcBef>
+                <a:spcPts val="0"/>
               </a:spcBef>
               <a:spcAft>
                 <a:spcPts val="0"/>
@@ -1670,12 +1631,12 @@
 </p:notes>
 </file>
 
-<file path=ppt/notesSlides/notesSlide6.xml><?xml version="1.0" encoding="utf-8"?>
+<file path=ppt/notesSlides/notesSlide5.xml><?xml version="1.0" encoding="utf-8"?>
 <p:notes xmlns:a="http://schemas.openxmlformats.org/drawingml/2006/main" xmlns:r="http://schemas.openxmlformats.org/officeDocument/2006/relationships" xmlns:mc="http://schemas.openxmlformats.org/markup-compatibility/2006" xmlns:mv="urn:schemas-microsoft-com:mac:vml" xmlns:p="http://schemas.openxmlformats.org/presentationml/2006/main" xmlns:c="http://schemas.openxmlformats.org/drawingml/2006/chart" xmlns:dgm="http://schemas.openxmlformats.org/drawingml/2006/diagram" xmlns:o="urn:schemas-microsoft-com:office:office" xmlns:v="urn:schemas-microsoft-com:vml" xmlns:pvml="urn:schemas-microsoft-com:office:powerpoint" xmlns:com="http://schemas.openxmlformats.org/drawingml/2006/compatibility" xmlns:p14="http://schemas.microsoft.com/office/powerpoint/2010/main" xmlns:p15="http://schemas.microsoft.com/office/powerpoint/2012/main" xmlns:ahyp="http://schemas.microsoft.com/office/drawing/2018/hyperlinkcolor" showMasterPhAnim="0" showMasterSp="0">
   <p:cSld>
     <p:spTree>
       <p:nvGrpSpPr>
-        <p:cNvPr id="116" name="Shape 116"/>
+        <p:cNvPr id="123" name="Shape 123"/>
         <p:cNvGrpSpPr/>
         <p:nvPr/>
       </p:nvGrpSpPr>
@@ -1689,7 +1650,7 @@
       </p:grpSpPr>
       <p:sp>
         <p:nvSpPr>
-          <p:cNvPr id="117" name="Google Shape;117;g28188eb9ff4_0_11:notes"/>
+          <p:cNvPr id="124" name="Google Shape;124;g2f5de2e9aaf_0_535:notes"/>
           <p:cNvSpPr/>
           <p:nvPr>
             <p:ph idx="2" type="sldImg"/>
@@ -1724,7 +1685,7 @@
       </p:sp>
       <p:sp>
         <p:nvSpPr>
-          <p:cNvPr id="118" name="Google Shape;118;g28188eb9ff4_0_11:notes"/>
+          <p:cNvPr id="125" name="Google Shape;125;g2f5de2e9aaf_0_535:notes"/>
           <p:cNvSpPr txBox="1"/>
           <p:nvPr>
             <p:ph idx="1" type="body"/>
@@ -1746,8 +1707,43 @@
           <a:lstStyle/>
           <a:p>
             <a:pPr indent="0" lvl="0" marL="0" rtl="0" algn="l">
-              <a:spcBef>
-                <a:spcPts val="0"/>
+              <a:lnSpc>
+                <a:spcPct val="115000"/>
+              </a:lnSpc>
+              <a:spcBef>
+                <a:spcPts val="1500"/>
+              </a:spcBef>
+              <a:spcAft>
+                <a:spcPts val="0"/>
+              </a:spcAft>
+              <a:buNone/>
+            </a:pPr>
+            <a:r>
+              <a:rPr lang="en" sz="1500">
+                <a:solidFill>
+                  <a:schemeClr val="dk1"/>
+                </a:solidFill>
+                <a:latin typeface="Lato"/>
+                <a:ea typeface="Lato"/>
+                <a:cs typeface="Lato"/>
+                <a:sym typeface="Lato"/>
+              </a:rPr>
+              <a:t>Predicts Expected Frames: LSTM can predict what the next frame should look like based on past frames, allowing for precise detection of any missing frames</a:t>
+            </a:r>
+            <a:endParaRPr sz="1500">
+              <a:solidFill>
+                <a:schemeClr val="dk1"/>
+              </a:solidFill>
+              <a:latin typeface="Lato"/>
+              <a:ea typeface="Lato"/>
+              <a:cs typeface="Lato"/>
+              <a:sym typeface="Lato"/>
+            </a:endParaRPr>
+          </a:p>
+          <a:p>
+            <a:pPr indent="0" lvl="0" marL="0" rtl="0" algn="l">
+              <a:spcBef>
+                <a:spcPts val="1500"/>
               </a:spcBef>
               <a:spcAft>
                 <a:spcPts val="0"/>
@@ -1769,12 +1765,12 @@
 </p:notes>
 </file>
 
-<file path=ppt/notesSlides/notesSlide7.xml><?xml version="1.0" encoding="utf-8"?>
+<file path=ppt/notesSlides/notesSlide6.xml><?xml version="1.0" encoding="utf-8"?>
 <p:notes xmlns:a="http://schemas.openxmlformats.org/drawingml/2006/main" xmlns:r="http://schemas.openxmlformats.org/officeDocument/2006/relationships" xmlns:mc="http://schemas.openxmlformats.org/markup-compatibility/2006" xmlns:mv="urn:schemas-microsoft-com:mac:vml" xmlns:p="http://schemas.openxmlformats.org/presentationml/2006/main" xmlns:c="http://schemas.openxmlformats.org/drawingml/2006/chart" xmlns:dgm="http://schemas.openxmlformats.org/drawingml/2006/diagram" xmlns:o="urn:schemas-microsoft-com:office:office" xmlns:v="urn:schemas-microsoft-com:vml" xmlns:pvml="urn:schemas-microsoft-com:office:powerpoint" xmlns:com="http://schemas.openxmlformats.org/drawingml/2006/compatibility" xmlns:p14="http://schemas.microsoft.com/office/powerpoint/2010/main" xmlns:p15="http://schemas.microsoft.com/office/powerpoint/2012/main" xmlns:ahyp="http://schemas.microsoft.com/office/drawing/2018/hyperlinkcolor" showMasterPhAnim="0" showMasterSp="0">
   <p:cSld>
     <p:spTree>
       <p:nvGrpSpPr>
-        <p:cNvPr id="131" name="Shape 131"/>
+        <p:cNvPr id="133" name="Shape 133"/>
         <p:cNvGrpSpPr/>
         <p:nvPr/>
       </p:nvGrpSpPr>
@@ -1788,7 +1784,7 @@
       </p:grpSpPr>
       <p:sp>
         <p:nvSpPr>
-          <p:cNvPr id="132" name="Google Shape;132;g28188eb9ff4_0_291:notes"/>
+          <p:cNvPr id="134" name="Google Shape;134;g28188eb9ff4_0_11:notes"/>
           <p:cNvSpPr/>
           <p:nvPr>
             <p:ph idx="2" type="sldImg"/>
@@ -1823,7 +1819,7 @@
       </p:sp>
       <p:sp>
         <p:nvSpPr>
-          <p:cNvPr id="133" name="Google Shape;133;g28188eb9ff4_0_291:notes"/>
+          <p:cNvPr id="135" name="Google Shape;135;g28188eb9ff4_0_11:notes"/>
           <p:cNvSpPr txBox="1"/>
           <p:nvPr>
             <p:ph idx="1" type="body"/>
@@ -1868,12 +1864,12 @@
 </p:notes>
 </file>
 
-<file path=ppt/notesSlides/notesSlide8.xml><?xml version="1.0" encoding="utf-8"?>
+<file path=ppt/notesSlides/notesSlide7.xml><?xml version="1.0" encoding="utf-8"?>
 <p:notes xmlns:a="http://schemas.openxmlformats.org/drawingml/2006/main" xmlns:r="http://schemas.openxmlformats.org/officeDocument/2006/relationships" xmlns:mc="http://schemas.openxmlformats.org/markup-compatibility/2006" xmlns:mv="urn:schemas-microsoft-com:mac:vml" xmlns:p="http://schemas.openxmlformats.org/presentationml/2006/main" xmlns:c="http://schemas.openxmlformats.org/drawingml/2006/chart" xmlns:dgm="http://schemas.openxmlformats.org/drawingml/2006/diagram" xmlns:o="urn:schemas-microsoft-com:office:office" xmlns:v="urn:schemas-microsoft-com:vml" xmlns:pvml="urn:schemas-microsoft-com:office:powerpoint" xmlns:com="http://schemas.openxmlformats.org/drawingml/2006/compatibility" xmlns:p14="http://schemas.microsoft.com/office/powerpoint/2010/main" xmlns:p15="http://schemas.microsoft.com/office/powerpoint/2012/main" xmlns:ahyp="http://schemas.microsoft.com/office/drawing/2018/hyperlinkcolor" showMasterPhAnim="0" showMasterSp="0">
   <p:cSld>
     <p:spTree>
       <p:nvGrpSpPr>
-        <p:cNvPr id="148" name="Shape 148"/>
+        <p:cNvPr id="152" name="Shape 152"/>
         <p:cNvGrpSpPr/>
         <p:nvPr/>
       </p:nvGrpSpPr>
@@ -1887,7 +1883,7 @@
       </p:grpSpPr>
       <p:sp>
         <p:nvSpPr>
-          <p:cNvPr id="149" name="Google Shape;149;g2f5de2e9aaf_0_864:notes"/>
+          <p:cNvPr id="153" name="Google Shape;153;g2f5de2e9aaf_0_899:notes"/>
           <p:cNvSpPr/>
           <p:nvPr>
             <p:ph idx="2" type="sldImg"/>
@@ -1922,7 +1918,7 @@
       </p:sp>
       <p:sp>
         <p:nvSpPr>
-          <p:cNvPr id="150" name="Google Shape;150;g2f5de2e9aaf_0_864:notes"/>
+          <p:cNvPr id="154" name="Google Shape;154;g2f5de2e9aaf_0_899:notes"/>
           <p:cNvSpPr txBox="1"/>
           <p:nvPr>
             <p:ph idx="1" type="body"/>
@@ -1967,12 +1963,12 @@
 </p:notes>
 </file>
 
-<file path=ppt/notesSlides/notesSlide9.xml><?xml version="1.0" encoding="utf-8"?>
+<file path=ppt/notesSlides/notesSlide8.xml><?xml version="1.0" encoding="utf-8"?>
 <p:notes xmlns:a="http://schemas.openxmlformats.org/drawingml/2006/main" xmlns:r="http://schemas.openxmlformats.org/officeDocument/2006/relationships" xmlns:mc="http://schemas.openxmlformats.org/markup-compatibility/2006" xmlns:mv="urn:schemas-microsoft-com:mac:vml" xmlns:p="http://schemas.openxmlformats.org/presentationml/2006/main" xmlns:c="http://schemas.openxmlformats.org/drawingml/2006/chart" xmlns:dgm="http://schemas.openxmlformats.org/drawingml/2006/diagram" xmlns:o="urn:schemas-microsoft-com:office:office" xmlns:v="urn:schemas-microsoft-com:vml" xmlns:pvml="urn:schemas-microsoft-com:office:powerpoint" xmlns:com="http://schemas.openxmlformats.org/drawingml/2006/compatibility" xmlns:p14="http://schemas.microsoft.com/office/powerpoint/2010/main" xmlns:p15="http://schemas.microsoft.com/office/powerpoint/2012/main" xmlns:ahyp="http://schemas.microsoft.com/office/drawing/2018/hyperlinkcolor" showMasterPhAnim="0" showMasterSp="0">
   <p:cSld>
     <p:spTree>
       <p:nvGrpSpPr>
-        <p:cNvPr id="155" name="Shape 155"/>
+        <p:cNvPr id="165" name="Shape 165"/>
         <p:cNvGrpSpPr/>
         <p:nvPr/>
       </p:nvGrpSpPr>
@@ -1986,7 +1982,7 @@
       </p:grpSpPr>
       <p:sp>
         <p:nvSpPr>
-          <p:cNvPr id="156" name="Google Shape;156;g28188eb9ff4_0_367:notes"/>
+          <p:cNvPr id="166" name="Google Shape;166;g28188eb9ff4_0_291:notes"/>
           <p:cNvSpPr/>
           <p:nvPr>
             <p:ph idx="2" type="sldImg"/>
@@ -2021,7 +2017,106 @@
       </p:sp>
       <p:sp>
         <p:nvSpPr>
-          <p:cNvPr id="157" name="Google Shape;157;g28188eb9ff4_0_367:notes"/>
+          <p:cNvPr id="167" name="Google Shape;167;g28188eb9ff4_0_291:notes"/>
+          <p:cNvSpPr txBox="1"/>
+          <p:nvPr>
+            <p:ph idx="1" type="body"/>
+          </p:nvPr>
+        </p:nvSpPr>
+        <p:spPr>
+          <a:xfrm>
+            <a:off x="685800" y="4343400"/>
+            <a:ext cx="5486400" cy="4114800"/>
+          </a:xfrm>
+          <a:prstGeom prst="rect">
+            <a:avLst/>
+          </a:prstGeom>
+        </p:spPr>
+        <p:txBody>
+          <a:bodyPr anchorCtr="0" anchor="t" bIns="91425" lIns="91425" spcFirstLastPara="1" rIns="91425" wrap="square" tIns="91425">
+            <a:noAutofit/>
+          </a:bodyPr>
+          <a:lstStyle/>
+          <a:p>
+            <a:pPr indent="0" lvl="0" marL="0" rtl="0" algn="l">
+              <a:spcBef>
+                <a:spcPts val="0"/>
+              </a:spcBef>
+              <a:spcAft>
+                <a:spcPts val="0"/>
+              </a:spcAft>
+              <a:buNone/>
+            </a:pPr>
+            <a:r>
+              <a:t/>
+            </a:r>
+            <a:endParaRPr/>
+          </a:p>
+        </p:txBody>
+      </p:sp>
+    </p:spTree>
+  </p:cSld>
+  <p:clrMapOvr>
+    <a:masterClrMapping/>
+  </p:clrMapOvr>
+</p:notes>
+</file>
+
+<file path=ppt/notesSlides/notesSlide9.xml><?xml version="1.0" encoding="utf-8"?>
+<p:notes xmlns:a="http://schemas.openxmlformats.org/drawingml/2006/main" xmlns:r="http://schemas.openxmlformats.org/officeDocument/2006/relationships" xmlns:mc="http://schemas.openxmlformats.org/markup-compatibility/2006" xmlns:mv="urn:schemas-microsoft-com:mac:vml" xmlns:p="http://schemas.openxmlformats.org/presentationml/2006/main" xmlns:c="http://schemas.openxmlformats.org/drawingml/2006/chart" xmlns:dgm="http://schemas.openxmlformats.org/drawingml/2006/diagram" xmlns:o="urn:schemas-microsoft-com:office:office" xmlns:v="urn:schemas-microsoft-com:vml" xmlns:pvml="urn:schemas-microsoft-com:office:powerpoint" xmlns:com="http://schemas.openxmlformats.org/drawingml/2006/compatibility" xmlns:p14="http://schemas.microsoft.com/office/powerpoint/2010/main" xmlns:p15="http://schemas.microsoft.com/office/powerpoint/2012/main" xmlns:ahyp="http://schemas.microsoft.com/office/drawing/2018/hyperlinkcolor" showMasterPhAnim="0" showMasterSp="0">
+  <p:cSld>
+    <p:spTree>
+      <p:nvGrpSpPr>
+        <p:cNvPr id="186" name="Shape 186"/>
+        <p:cNvGrpSpPr/>
+        <p:nvPr/>
+      </p:nvGrpSpPr>
+      <p:grpSpPr>
+        <a:xfrm>
+          <a:off x="0" y="0"/>
+          <a:ext cx="0" cy="0"/>
+          <a:chOff x="0" y="0"/>
+          <a:chExt cx="0" cy="0"/>
+        </a:xfrm>
+      </p:grpSpPr>
+      <p:sp>
+        <p:nvSpPr>
+          <p:cNvPr id="187" name="Google Shape;187;g2f5de2e9aaf_0_864:notes"/>
+          <p:cNvSpPr/>
+          <p:nvPr>
+            <p:ph idx="2" type="sldImg"/>
+          </p:nvPr>
+        </p:nvSpPr>
+        <p:spPr>
+          <a:xfrm>
+            <a:off x="381300" y="685800"/>
+            <a:ext cx="6096000" cy="3429000"/>
+          </a:xfrm>
+          <a:custGeom>
+            <a:rect b="b" l="l" r="r" t="t"/>
+            <a:pathLst>
+              <a:path extrusionOk="0" h="120000" w="120000">
+                <a:moveTo>
+                  <a:pt x="0" y="0"/>
+                </a:moveTo>
+                <a:lnTo>
+                  <a:pt x="120000" y="0"/>
+                </a:lnTo>
+                <a:lnTo>
+                  <a:pt x="120000" y="120000"/>
+                </a:lnTo>
+                <a:lnTo>
+                  <a:pt x="0" y="120000"/>
+                </a:lnTo>
+                <a:close/>
+              </a:path>
+            </a:pathLst>
+          </a:custGeom>
+        </p:spPr>
+      </p:sp>
+      <p:sp>
+        <p:nvSpPr>
+          <p:cNvPr id="188" name="Google Shape;188;g2f5de2e9aaf_0_864:notes"/>
           <p:cNvSpPr txBox="1"/>
           <p:nvPr>
             <p:ph idx="1" type="body"/>
@@ -8404,7 +8499,7 @@
             </a:pPr>
             <a:r>
               <a:rPr lang="en"/>
-              <a:t>Missing Frames Detection by Direct Approach and LSTM Model</a:t>
+              <a:t>Missing Frames Detection by Sliding Window and LSTM Model</a:t>
             </a:r>
             <a:endParaRPr/>
           </a:p>
@@ -8528,7 +8623,7 @@
         </p:blipFill>
         <p:spPr>
           <a:xfrm>
-            <a:off x="8342800" y="544175"/>
+            <a:off x="7330625" y="568000"/>
             <a:ext cx="556575" cy="556575"/>
           </a:xfrm>
           <a:prstGeom prst="rect">
@@ -8556,7 +8651,7 @@
         </p:blipFill>
         <p:spPr>
           <a:xfrm>
-            <a:off x="6535176" y="520350"/>
+            <a:off x="5596001" y="520350"/>
             <a:ext cx="1582523" cy="604225"/>
           </a:xfrm>
           <a:prstGeom prst="rect">
@@ -8596,6 +8691,64 @@
           </a:ln>
         </p:spPr>
       </p:pic>
+      <p:sp>
+        <p:nvSpPr>
+          <p:cNvPr id="91" name="Google Shape;91;p13"/>
+          <p:cNvSpPr txBox="1"/>
+          <p:nvPr/>
+        </p:nvSpPr>
+        <p:spPr>
+          <a:xfrm>
+            <a:off x="7886900" y="628400"/>
+            <a:ext cx="1478400" cy="340500"/>
+          </a:xfrm>
+          <a:prstGeom prst="rect">
+            <a:avLst/>
+          </a:prstGeom>
+          <a:noFill/>
+          <a:ln>
+            <a:noFill/>
+          </a:ln>
+        </p:spPr>
+        <p:txBody>
+          <a:bodyPr anchorCtr="0" anchor="t" bIns="91425" lIns="91425" spcFirstLastPara="1" rIns="91425" wrap="square" tIns="91425">
+            <a:noAutofit/>
+          </a:bodyPr>
+          <a:lstStyle/>
+          <a:p>
+            <a:pPr indent="0" lvl="0" marL="0" rtl="0" algn="l">
+              <a:spcBef>
+                <a:spcPts val="0"/>
+              </a:spcBef>
+              <a:spcAft>
+                <a:spcPts val="0"/>
+              </a:spcAft>
+              <a:buNone/>
+            </a:pPr>
+            <a:r>
+              <a:rPr b="1" lang="en" sz="2000">
+                <a:solidFill>
+                  <a:schemeClr val="accent1"/>
+                </a:solidFill>
+                <a:latin typeface="Lato"/>
+                <a:ea typeface="Lato"/>
+                <a:cs typeface="Lato"/>
+                <a:sym typeface="Lato"/>
+              </a:rPr>
+              <a:t>SIDI LAB</a:t>
+            </a:r>
+            <a:endParaRPr b="1" sz="2000">
+              <a:solidFill>
+                <a:schemeClr val="accent1"/>
+              </a:solidFill>
+              <a:latin typeface="Lato"/>
+              <a:ea typeface="Lato"/>
+              <a:cs typeface="Lato"/>
+              <a:sym typeface="Lato"/>
+            </a:endParaRPr>
+          </a:p>
+        </p:txBody>
+      </p:sp>
     </p:spTree>
   </p:cSld>
   <p:clrMapOvr>
@@ -8609,7 +8762,7 @@
   <p:cSld>
     <p:spTree>
       <p:nvGrpSpPr>
-        <p:cNvPr id="165" name="Shape 165"/>
+        <p:cNvPr id="200" name="Shape 200"/>
         <p:cNvGrpSpPr/>
         <p:nvPr/>
       </p:nvGrpSpPr>
@@ -8623,7 +8776,7 @@
       </p:grpSpPr>
       <p:sp>
         <p:nvSpPr>
-          <p:cNvPr id="166" name="Google Shape;166;p22"/>
+          <p:cNvPr id="201" name="Google Shape;201;p22"/>
           <p:cNvSpPr txBox="1"/>
           <p:nvPr>
             <p:ph type="title"/>
@@ -8655,7 +8808,7 @@
             </a:pPr>
             <a:r>
               <a:rPr lang="en"/>
-              <a:t>Part 2: Method</a:t>
+              <a:t>Part 2: Method - LSTM Model</a:t>
             </a:r>
             <a:endParaRPr/>
           </a:p>
@@ -8663,7 +8816,7 @@
       </p:sp>
       <p:sp>
         <p:nvSpPr>
-          <p:cNvPr id="167" name="Google Shape;167;p22"/>
+          <p:cNvPr id="202" name="Google Shape;202;p22"/>
           <p:cNvSpPr txBox="1"/>
           <p:nvPr>
             <p:ph idx="1" type="body"/>
@@ -8695,11 +8848,11 @@
             </a:pPr>
             <a:r>
               <a:rPr b="1" lang="en" sz="1500"/>
-              <a:t>Input Data: </a:t>
+              <a:t>Input Layer: </a:t>
             </a:r>
             <a:r>
               <a:rPr lang="en" sz="1500"/>
-              <a:t>Feed sequences into the LSTM model.</a:t>
+              <a:t>Accepts sequences of frames (e.g., 5 consecutive frames).</a:t>
             </a:r>
             <a:endParaRPr sz="1500"/>
           </a:p>
@@ -8715,11 +8868,11 @@
             </a:pPr>
             <a:r>
               <a:rPr b="1" lang="en" sz="1500"/>
-              <a:t>Loss Function:</a:t>
+              <a:t>CNN Layers: </a:t>
             </a:r>
             <a:r>
               <a:rPr lang="en" sz="1500"/>
-              <a:t> Use Mean Squared Error (MSE) to compare predicted scores with actual frame sequences.</a:t>
+              <a:t>Extract spatial features from each frame in the sequence.</a:t>
             </a:r>
             <a:endParaRPr sz="1500"/>
           </a:p>
@@ -8735,11 +8888,39 @@
             </a:pPr>
             <a:r>
               <a:rPr b="1" lang="en" sz="1500"/>
-              <a:t>Training: </a:t>
+              <a:t>LSTM Layer: </a:t>
             </a:r>
             <a:r>
               <a:rPr lang="en" sz="1500"/>
-              <a:t>Adjust model weights to minimize prediction errors over multiple epochs.</a:t>
+              <a:t>Captures temporal dependencies across frames.</a:t>
+            </a:r>
+            <a:endParaRPr sz="1500"/>
+          </a:p>
+          <a:p>
+            <a:pPr indent="0" lvl="0" marL="0" rtl="0" algn="l">
+              <a:spcBef>
+                <a:spcPts val="1200"/>
+              </a:spcBef>
+              <a:spcAft>
+                <a:spcPts val="0"/>
+              </a:spcAft>
+              <a:buNone/>
+            </a:pPr>
+            <a:r>
+              <a:rPr b="1" lang="en" sz="1500"/>
+              <a:t>Output Layer: </a:t>
+            </a:r>
+            <a:r>
+              <a:rPr lang="en" sz="1500"/>
+              <a:t>Predicts the missing </a:t>
+            </a:r>
+            <a:r>
+              <a:rPr lang="en" sz="1500"/>
+              <a:t>location</a:t>
+            </a:r>
+            <a:r>
+              <a:rPr lang="en" sz="1500"/>
+              <a:t>  based on the learned sequence pattern.</a:t>
             </a:r>
             <a:endParaRPr sz="1500"/>
           </a:p>
@@ -8762,7 +8943,7 @@
       </p:sp>
       <p:pic>
         <p:nvPicPr>
-          <p:cNvPr id="168" name="Google Shape;168;p22"/>
+          <p:cNvPr id="203" name="Google Shape;203;p22"/>
           <p:cNvPicPr preferRelativeResize="0"/>
           <p:nvPr/>
         </p:nvPicPr>
@@ -8776,7 +8957,7 @@
         </p:blipFill>
         <p:spPr>
           <a:xfrm>
-            <a:off x="890750" y="2267488"/>
+            <a:off x="949875" y="2267488"/>
             <a:ext cx="6867525" cy="581025"/>
           </a:xfrm>
           <a:prstGeom prst="rect">
@@ -8788,6 +8969,148 @@
           </a:ln>
         </p:spPr>
       </p:pic>
+      <p:pic>
+        <p:nvPicPr>
+          <p:cNvPr id="204" name="Google Shape;204;p22"/>
+          <p:cNvPicPr preferRelativeResize="0"/>
+          <p:nvPr/>
+        </p:nvPicPr>
+        <p:blipFill>
+          <a:blip r:embed="rId4">
+            <a:alphaModFix/>
+          </a:blip>
+          <a:stretch>
+            <a:fillRect/>
+          </a:stretch>
+        </p:blipFill>
+        <p:spPr>
+          <a:xfrm>
+            <a:off x="796988" y="544175"/>
+            <a:ext cx="1902438" cy="556575"/>
+          </a:xfrm>
+          <a:prstGeom prst="rect">
+            <a:avLst/>
+          </a:prstGeom>
+          <a:noFill/>
+          <a:ln>
+            <a:noFill/>
+          </a:ln>
+        </p:spPr>
+      </p:pic>
+      <p:pic>
+        <p:nvPicPr>
+          <p:cNvPr id="205" name="Google Shape;205;p22"/>
+          <p:cNvPicPr preferRelativeResize="0"/>
+          <p:nvPr/>
+        </p:nvPicPr>
+        <p:blipFill>
+          <a:blip r:embed="rId5">
+            <a:alphaModFix/>
+          </a:blip>
+          <a:stretch>
+            <a:fillRect/>
+          </a:stretch>
+        </p:blipFill>
+        <p:spPr>
+          <a:xfrm>
+            <a:off x="7330625" y="568000"/>
+            <a:ext cx="556575" cy="556575"/>
+          </a:xfrm>
+          <a:prstGeom prst="rect">
+            <a:avLst/>
+          </a:prstGeom>
+          <a:noFill/>
+          <a:ln>
+            <a:noFill/>
+          </a:ln>
+        </p:spPr>
+      </p:pic>
+      <p:pic>
+        <p:nvPicPr>
+          <p:cNvPr id="206" name="Google Shape;206;p22"/>
+          <p:cNvPicPr preferRelativeResize="0"/>
+          <p:nvPr/>
+        </p:nvPicPr>
+        <p:blipFill>
+          <a:blip r:embed="rId6">
+            <a:alphaModFix/>
+          </a:blip>
+          <a:stretch>
+            <a:fillRect/>
+          </a:stretch>
+        </p:blipFill>
+        <p:spPr>
+          <a:xfrm>
+            <a:off x="5596001" y="520350"/>
+            <a:ext cx="1582523" cy="604225"/>
+          </a:xfrm>
+          <a:prstGeom prst="rect">
+            <a:avLst/>
+          </a:prstGeom>
+          <a:noFill/>
+          <a:ln>
+            <a:noFill/>
+          </a:ln>
+        </p:spPr>
+      </p:pic>
+      <p:sp>
+        <p:nvSpPr>
+          <p:cNvPr id="207" name="Google Shape;207;p22"/>
+          <p:cNvSpPr txBox="1"/>
+          <p:nvPr/>
+        </p:nvSpPr>
+        <p:spPr>
+          <a:xfrm>
+            <a:off x="7886900" y="628400"/>
+            <a:ext cx="1478400" cy="340500"/>
+          </a:xfrm>
+          <a:prstGeom prst="rect">
+            <a:avLst/>
+          </a:prstGeom>
+          <a:noFill/>
+          <a:ln>
+            <a:noFill/>
+          </a:ln>
+        </p:spPr>
+        <p:txBody>
+          <a:bodyPr anchorCtr="0" anchor="t" bIns="91425" lIns="91425" spcFirstLastPara="1" rIns="91425" wrap="square" tIns="91425">
+            <a:noAutofit/>
+          </a:bodyPr>
+          <a:lstStyle/>
+          <a:p>
+            <a:pPr indent="0" lvl="0" marL="0" rtl="0" algn="l">
+              <a:spcBef>
+                <a:spcPts val="0"/>
+              </a:spcBef>
+              <a:spcAft>
+                <a:spcPts val="0"/>
+              </a:spcAft>
+              <a:buNone/>
+            </a:pPr>
+            <a:r>
+              <a:rPr b="1" lang="en" sz="2000">
+                <a:solidFill>
+                  <a:schemeClr val="accent1"/>
+                </a:solidFill>
+                <a:latin typeface="Lato"/>
+                <a:ea typeface="Lato"/>
+                <a:cs typeface="Lato"/>
+                <a:sym typeface="Lato"/>
+              </a:rPr>
+              <a:t>SIDI LAB</a:t>
+            </a:r>
+            <a:endParaRPr b="1" sz="2000">
+              <a:solidFill>
+                <a:schemeClr val="accent1"/>
+              </a:solidFill>
+              <a:latin typeface="Lato"/>
+              <a:ea typeface="Lato"/>
+              <a:cs typeface="Lato"/>
+              <a:sym typeface="Lato"/>
+            </a:endParaRPr>
+          </a:p>
+        </p:txBody>
+      </p:sp>
     </p:spTree>
   </p:cSld>
   <p:clrMapOvr>
@@ -8801,7 +9124,7 @@
   <p:cSld>
     <p:spTree>
       <p:nvGrpSpPr>
-        <p:cNvPr id="172" name="Shape 172"/>
+        <p:cNvPr id="211" name="Shape 211"/>
         <p:cNvGrpSpPr/>
         <p:nvPr/>
       </p:nvGrpSpPr>
@@ -8815,7 +9138,7 @@
       </p:grpSpPr>
       <p:sp>
         <p:nvSpPr>
-          <p:cNvPr id="173" name="Google Shape;173;p23"/>
+          <p:cNvPr id="212" name="Google Shape;212;p23"/>
           <p:cNvSpPr txBox="1"/>
           <p:nvPr>
             <p:ph type="title"/>
@@ -8847,7 +9170,7 @@
             </a:pPr>
             <a:r>
               <a:rPr lang="en"/>
-              <a:t>Part 2: Method</a:t>
+              <a:t>Part 2: Method - LSTM Model</a:t>
             </a:r>
             <a:endParaRPr/>
           </a:p>
@@ -8855,7 +9178,7 @@
       </p:sp>
       <p:sp>
         <p:nvSpPr>
-          <p:cNvPr id="174" name="Google Shape;174;p23"/>
+          <p:cNvPr id="213" name="Google Shape;213;p23"/>
           <p:cNvSpPr txBox="1"/>
           <p:nvPr>
             <p:ph idx="1" type="body"/>
@@ -8887,11 +9210,11 @@
             </a:pPr>
             <a:r>
               <a:rPr b="1" lang="en" sz="1500"/>
-              <a:t>Prediction: </a:t>
+              <a:t>Input Data: </a:t>
             </a:r>
             <a:r>
               <a:rPr lang="en" sz="1500"/>
-              <a:t>For each sequence in the test set, the model predicts the expected score.</a:t>
+              <a:t>Feed sequences into the LSTM model.</a:t>
             </a:r>
             <a:endParaRPr sz="1500"/>
           </a:p>
@@ -8907,11 +9230,31 @@
             </a:pPr>
             <a:r>
               <a:rPr b="1" lang="en" sz="1500"/>
-              <a:t>Anomaly Detection: </a:t>
+              <a:t>Loss Function:</a:t>
             </a:r>
             <a:r>
               <a:rPr lang="en" sz="1500"/>
-              <a:t>Compare predicted scores with actual frames; large deviations indicate potential irregularities or missing frames.</a:t>
+              <a:t> Use Mean Squared Error (MSE) to compare predicted location with actual missing frame location.</a:t>
+            </a:r>
+            <a:endParaRPr sz="1500"/>
+          </a:p>
+          <a:p>
+            <a:pPr indent="0" lvl="0" marL="0" rtl="0" algn="l">
+              <a:spcBef>
+                <a:spcPts val="1200"/>
+              </a:spcBef>
+              <a:spcAft>
+                <a:spcPts val="0"/>
+              </a:spcAft>
+              <a:buNone/>
+            </a:pPr>
+            <a:r>
+              <a:rPr b="1" lang="en" sz="1500"/>
+              <a:t>Training: </a:t>
+            </a:r>
+            <a:r>
+              <a:rPr lang="en" sz="1500"/>
+              <a:t>Adjust model weights to minimize prediction errors over multiple epochs.</a:t>
             </a:r>
             <a:endParaRPr sz="1500"/>
           </a:p>
@@ -8934,7 +9277,7 @@
       </p:sp>
       <p:pic>
         <p:nvPicPr>
-          <p:cNvPr id="175" name="Google Shape;175;p23"/>
+          <p:cNvPr id="214" name="Google Shape;214;p23"/>
           <p:cNvPicPr preferRelativeResize="0"/>
           <p:nvPr/>
         </p:nvPicPr>
@@ -8948,7 +9291,7 @@
         </p:blipFill>
         <p:spPr>
           <a:xfrm>
-            <a:off x="885500" y="2191288"/>
+            <a:off x="890750" y="2267488"/>
             <a:ext cx="6867525" cy="581025"/>
           </a:xfrm>
           <a:prstGeom prst="rect">
@@ -8960,6 +9303,148 @@
           </a:ln>
         </p:spPr>
       </p:pic>
+      <p:pic>
+        <p:nvPicPr>
+          <p:cNvPr id="215" name="Google Shape;215;p23"/>
+          <p:cNvPicPr preferRelativeResize="0"/>
+          <p:nvPr/>
+        </p:nvPicPr>
+        <p:blipFill>
+          <a:blip r:embed="rId4">
+            <a:alphaModFix/>
+          </a:blip>
+          <a:stretch>
+            <a:fillRect/>
+          </a:stretch>
+        </p:blipFill>
+        <p:spPr>
+          <a:xfrm>
+            <a:off x="796988" y="544175"/>
+            <a:ext cx="1902438" cy="556575"/>
+          </a:xfrm>
+          <a:prstGeom prst="rect">
+            <a:avLst/>
+          </a:prstGeom>
+          <a:noFill/>
+          <a:ln>
+            <a:noFill/>
+          </a:ln>
+        </p:spPr>
+      </p:pic>
+      <p:pic>
+        <p:nvPicPr>
+          <p:cNvPr id="216" name="Google Shape;216;p23"/>
+          <p:cNvPicPr preferRelativeResize="0"/>
+          <p:nvPr/>
+        </p:nvPicPr>
+        <p:blipFill>
+          <a:blip r:embed="rId5">
+            <a:alphaModFix/>
+          </a:blip>
+          <a:stretch>
+            <a:fillRect/>
+          </a:stretch>
+        </p:blipFill>
+        <p:spPr>
+          <a:xfrm>
+            <a:off x="7330625" y="568000"/>
+            <a:ext cx="556575" cy="556575"/>
+          </a:xfrm>
+          <a:prstGeom prst="rect">
+            <a:avLst/>
+          </a:prstGeom>
+          <a:noFill/>
+          <a:ln>
+            <a:noFill/>
+          </a:ln>
+        </p:spPr>
+      </p:pic>
+      <p:pic>
+        <p:nvPicPr>
+          <p:cNvPr id="217" name="Google Shape;217;p23"/>
+          <p:cNvPicPr preferRelativeResize="0"/>
+          <p:nvPr/>
+        </p:nvPicPr>
+        <p:blipFill>
+          <a:blip r:embed="rId6">
+            <a:alphaModFix/>
+          </a:blip>
+          <a:stretch>
+            <a:fillRect/>
+          </a:stretch>
+        </p:blipFill>
+        <p:spPr>
+          <a:xfrm>
+            <a:off x="5596001" y="520350"/>
+            <a:ext cx="1582523" cy="604225"/>
+          </a:xfrm>
+          <a:prstGeom prst="rect">
+            <a:avLst/>
+          </a:prstGeom>
+          <a:noFill/>
+          <a:ln>
+            <a:noFill/>
+          </a:ln>
+        </p:spPr>
+      </p:pic>
+      <p:sp>
+        <p:nvSpPr>
+          <p:cNvPr id="218" name="Google Shape;218;p23"/>
+          <p:cNvSpPr txBox="1"/>
+          <p:nvPr/>
+        </p:nvSpPr>
+        <p:spPr>
+          <a:xfrm>
+            <a:off x="7886900" y="628400"/>
+            <a:ext cx="1478400" cy="340500"/>
+          </a:xfrm>
+          <a:prstGeom prst="rect">
+            <a:avLst/>
+          </a:prstGeom>
+          <a:noFill/>
+          <a:ln>
+            <a:noFill/>
+          </a:ln>
+        </p:spPr>
+        <p:txBody>
+          <a:bodyPr anchorCtr="0" anchor="t" bIns="91425" lIns="91425" spcFirstLastPara="1" rIns="91425" wrap="square" tIns="91425">
+            <a:noAutofit/>
+          </a:bodyPr>
+          <a:lstStyle/>
+          <a:p>
+            <a:pPr indent="0" lvl="0" marL="0" rtl="0" algn="l">
+              <a:spcBef>
+                <a:spcPts val="0"/>
+              </a:spcBef>
+              <a:spcAft>
+                <a:spcPts val="0"/>
+              </a:spcAft>
+              <a:buNone/>
+            </a:pPr>
+            <a:r>
+              <a:rPr b="1" lang="en" sz="2000">
+                <a:solidFill>
+                  <a:schemeClr val="accent1"/>
+                </a:solidFill>
+                <a:latin typeface="Lato"/>
+                <a:ea typeface="Lato"/>
+                <a:cs typeface="Lato"/>
+                <a:sym typeface="Lato"/>
+              </a:rPr>
+              <a:t>SIDI LAB</a:t>
+            </a:r>
+            <a:endParaRPr b="1" sz="2000">
+              <a:solidFill>
+                <a:schemeClr val="accent1"/>
+              </a:solidFill>
+              <a:latin typeface="Lato"/>
+              <a:ea typeface="Lato"/>
+              <a:cs typeface="Lato"/>
+              <a:sym typeface="Lato"/>
+            </a:endParaRPr>
+          </a:p>
+        </p:txBody>
+      </p:sp>
     </p:spTree>
   </p:cSld>
   <p:clrMapOvr>
@@ -8973,7 +9458,7 @@
   <p:cSld>
     <p:spTree>
       <p:nvGrpSpPr>
-        <p:cNvPr id="179" name="Shape 179"/>
+        <p:cNvPr id="222" name="Shape 222"/>
         <p:cNvGrpSpPr/>
         <p:nvPr/>
       </p:nvGrpSpPr>
@@ -8987,7 +9472,7 @@
       </p:grpSpPr>
       <p:sp>
         <p:nvSpPr>
-          <p:cNvPr id="180" name="Google Shape;180;p24"/>
+          <p:cNvPr id="223" name="Google Shape;223;p24"/>
           <p:cNvSpPr txBox="1"/>
           <p:nvPr>
             <p:ph type="title"/>
@@ -9019,7 +9504,7 @@
             </a:pPr>
             <a:r>
               <a:rPr lang="en"/>
-              <a:t>Conclusion</a:t>
+              <a:t>Part 2: Method - LSTM Model</a:t>
             </a:r>
             <a:endParaRPr/>
           </a:p>
@@ -9027,7 +9512,7 @@
       </p:sp>
       <p:sp>
         <p:nvSpPr>
-          <p:cNvPr id="181" name="Google Shape;181;p24"/>
+          <p:cNvPr id="224" name="Google Shape;224;p24"/>
           <p:cNvSpPr txBox="1"/>
           <p:nvPr>
             <p:ph idx="1" type="body"/>
@@ -9035,8 +9520,8 @@
         </p:nvSpPr>
         <p:spPr>
           <a:xfrm>
-            <a:off x="729450" y="2078875"/>
-            <a:ext cx="7688700" cy="2261100"/>
+            <a:off x="729450" y="3109750"/>
+            <a:ext cx="7688700" cy="2151900"/>
           </a:xfrm>
           <a:prstGeom prst="rect">
             <a:avLst/>
@@ -9059,11 +9544,11 @@
             </a:pPr>
             <a:r>
               <a:rPr b="1" lang="en" sz="1500"/>
-              <a:t>Direct approach</a:t>
+              <a:t>Prediction: </a:t>
             </a:r>
             <a:r>
               <a:rPr lang="en" sz="1500"/>
-              <a:t>: Use two metrics (SSIM and MSE) as the scores to evaluate the similarity between the missing frames and the consecutive frames (part 1); two consecutive frames (part 2).</a:t>
+              <a:t>For each sequence in the test set, the model predicts the expected score.</a:t>
             </a:r>
             <a:endParaRPr sz="1500"/>
           </a:p>
@@ -9073,19 +9558,204 @@
                 <a:spcPts val="1200"/>
               </a:spcBef>
               <a:spcAft>
+                <a:spcPts val="0"/>
+              </a:spcAft>
+              <a:buNone/>
+            </a:pPr>
+            <a:r>
+              <a:rPr b="1" lang="en" sz="1500"/>
+              <a:t>Anomaly Detection: </a:t>
+            </a:r>
+            <a:r>
+              <a:rPr lang="en" sz="1500"/>
+              <a:t>Compare predicted scores with actual frames; large deviations indicate potential irregularities or missing frames.</a:t>
+            </a:r>
+            <a:endParaRPr sz="1500"/>
+          </a:p>
+          <a:p>
+            <a:pPr indent="0" lvl="0" marL="0" rtl="0" algn="l">
+              <a:spcBef>
                 <a:spcPts val="1200"/>
+              </a:spcBef>
+              <a:spcAft>
+                <a:spcPts val="1200"/>
               </a:spcAft>
               <a:buNone/>
             </a:pPr>
             <a:r>
-              <a:rPr b="1" lang="en" sz="1500"/>
-              <a:t>LSTM model</a:t>
-            </a:r>
-            <a:r>
-              <a:rPr lang="en" sz="1500"/>
-              <a:t>: capture the relationship between consecutive frames, predict next frame. Compare the similarity between the predicted frames and the actual frames (part 2).</a:t>
-            </a:r>
-            <a:endParaRPr sz="1500"/>
+              <a:t/>
+            </a:r>
+            <a:endParaRPr/>
+          </a:p>
+        </p:txBody>
+      </p:sp>
+      <p:pic>
+        <p:nvPicPr>
+          <p:cNvPr id="225" name="Google Shape;225;p24"/>
+          <p:cNvPicPr preferRelativeResize="0"/>
+          <p:nvPr/>
+        </p:nvPicPr>
+        <p:blipFill>
+          <a:blip r:embed="rId3">
+            <a:alphaModFix/>
+          </a:blip>
+          <a:stretch>
+            <a:fillRect/>
+          </a:stretch>
+        </p:blipFill>
+        <p:spPr>
+          <a:xfrm>
+            <a:off x="885500" y="2191288"/>
+            <a:ext cx="6867525" cy="581025"/>
+          </a:xfrm>
+          <a:prstGeom prst="rect">
+            <a:avLst/>
+          </a:prstGeom>
+          <a:noFill/>
+          <a:ln>
+            <a:noFill/>
+          </a:ln>
+        </p:spPr>
+      </p:pic>
+      <p:pic>
+        <p:nvPicPr>
+          <p:cNvPr id="226" name="Google Shape;226;p24"/>
+          <p:cNvPicPr preferRelativeResize="0"/>
+          <p:nvPr/>
+        </p:nvPicPr>
+        <p:blipFill>
+          <a:blip r:embed="rId4">
+            <a:alphaModFix/>
+          </a:blip>
+          <a:stretch>
+            <a:fillRect/>
+          </a:stretch>
+        </p:blipFill>
+        <p:spPr>
+          <a:xfrm>
+            <a:off x="796988" y="544175"/>
+            <a:ext cx="1902438" cy="556575"/>
+          </a:xfrm>
+          <a:prstGeom prst="rect">
+            <a:avLst/>
+          </a:prstGeom>
+          <a:noFill/>
+          <a:ln>
+            <a:noFill/>
+          </a:ln>
+        </p:spPr>
+      </p:pic>
+      <p:pic>
+        <p:nvPicPr>
+          <p:cNvPr id="227" name="Google Shape;227;p24"/>
+          <p:cNvPicPr preferRelativeResize="0"/>
+          <p:nvPr/>
+        </p:nvPicPr>
+        <p:blipFill>
+          <a:blip r:embed="rId5">
+            <a:alphaModFix/>
+          </a:blip>
+          <a:stretch>
+            <a:fillRect/>
+          </a:stretch>
+        </p:blipFill>
+        <p:spPr>
+          <a:xfrm>
+            <a:off x="7330625" y="568000"/>
+            <a:ext cx="556575" cy="556575"/>
+          </a:xfrm>
+          <a:prstGeom prst="rect">
+            <a:avLst/>
+          </a:prstGeom>
+          <a:noFill/>
+          <a:ln>
+            <a:noFill/>
+          </a:ln>
+        </p:spPr>
+      </p:pic>
+      <p:pic>
+        <p:nvPicPr>
+          <p:cNvPr id="228" name="Google Shape;228;p24"/>
+          <p:cNvPicPr preferRelativeResize="0"/>
+          <p:nvPr/>
+        </p:nvPicPr>
+        <p:blipFill>
+          <a:blip r:embed="rId6">
+            <a:alphaModFix/>
+          </a:blip>
+          <a:stretch>
+            <a:fillRect/>
+          </a:stretch>
+        </p:blipFill>
+        <p:spPr>
+          <a:xfrm>
+            <a:off x="5596001" y="520350"/>
+            <a:ext cx="1582523" cy="604225"/>
+          </a:xfrm>
+          <a:prstGeom prst="rect">
+            <a:avLst/>
+          </a:prstGeom>
+          <a:noFill/>
+          <a:ln>
+            <a:noFill/>
+          </a:ln>
+        </p:spPr>
+      </p:pic>
+      <p:sp>
+        <p:nvSpPr>
+          <p:cNvPr id="229" name="Google Shape;229;p24"/>
+          <p:cNvSpPr txBox="1"/>
+          <p:nvPr/>
+        </p:nvSpPr>
+        <p:spPr>
+          <a:xfrm>
+            <a:off x="7886900" y="628400"/>
+            <a:ext cx="1478400" cy="340500"/>
+          </a:xfrm>
+          <a:prstGeom prst="rect">
+            <a:avLst/>
+          </a:prstGeom>
+          <a:noFill/>
+          <a:ln>
+            <a:noFill/>
+          </a:ln>
+        </p:spPr>
+        <p:txBody>
+          <a:bodyPr anchorCtr="0" anchor="t" bIns="91425" lIns="91425" spcFirstLastPara="1" rIns="91425" wrap="square" tIns="91425">
+            <a:noAutofit/>
+          </a:bodyPr>
+          <a:lstStyle/>
+          <a:p>
+            <a:pPr indent="0" lvl="0" marL="0" rtl="0" algn="l">
+              <a:spcBef>
+                <a:spcPts val="0"/>
+              </a:spcBef>
+              <a:spcAft>
+                <a:spcPts val="0"/>
+              </a:spcAft>
+              <a:buNone/>
+            </a:pPr>
+            <a:r>
+              <a:rPr b="1" lang="en" sz="2000">
+                <a:solidFill>
+                  <a:schemeClr val="accent1"/>
+                </a:solidFill>
+                <a:latin typeface="Lato"/>
+                <a:ea typeface="Lato"/>
+                <a:cs typeface="Lato"/>
+                <a:sym typeface="Lato"/>
+              </a:rPr>
+              <a:t>SIDI LAB</a:t>
+            </a:r>
+            <a:endParaRPr b="1" sz="2000">
+              <a:solidFill>
+                <a:schemeClr val="accent1"/>
+              </a:solidFill>
+              <a:latin typeface="Lato"/>
+              <a:ea typeface="Lato"/>
+              <a:cs typeface="Lato"/>
+              <a:sym typeface="Lato"/>
+            </a:endParaRPr>
           </a:p>
         </p:txBody>
       </p:sp>
@@ -9102,7 +9772,7 @@
   <p:cSld>
     <p:spTree>
       <p:nvGrpSpPr>
-        <p:cNvPr id="185" name="Shape 185"/>
+        <p:cNvPr id="233" name="Shape 233"/>
         <p:cNvGrpSpPr/>
         <p:nvPr/>
       </p:nvGrpSpPr>
@@ -9116,7 +9786,278 @@
       </p:grpSpPr>
       <p:sp>
         <p:nvSpPr>
-          <p:cNvPr id="186" name="Google Shape;186;p25"/>
+          <p:cNvPr id="234" name="Google Shape;234;p25"/>
+          <p:cNvSpPr txBox="1"/>
+          <p:nvPr>
+            <p:ph type="title"/>
+          </p:nvPr>
+        </p:nvSpPr>
+        <p:spPr>
+          <a:xfrm>
+            <a:off x="729450" y="1318650"/>
+            <a:ext cx="7688700" cy="535200"/>
+          </a:xfrm>
+          <a:prstGeom prst="rect">
+            <a:avLst/>
+          </a:prstGeom>
+        </p:spPr>
+        <p:txBody>
+          <a:bodyPr anchorCtr="0" anchor="t" bIns="91425" lIns="91425" spcFirstLastPara="1" rIns="91425" wrap="square" tIns="91425">
+            <a:normAutofit fontScale="90000"/>
+          </a:bodyPr>
+          <a:lstStyle/>
+          <a:p>
+            <a:pPr indent="0" lvl="0" marL="0" rtl="0" algn="l">
+              <a:spcBef>
+                <a:spcPts val="0"/>
+              </a:spcBef>
+              <a:spcAft>
+                <a:spcPts val="0"/>
+              </a:spcAft>
+              <a:buNone/>
+            </a:pPr>
+            <a:r>
+              <a:rPr lang="en"/>
+              <a:t>Conclusion</a:t>
+            </a:r>
+            <a:endParaRPr/>
+          </a:p>
+        </p:txBody>
+      </p:sp>
+      <p:sp>
+        <p:nvSpPr>
+          <p:cNvPr id="235" name="Google Shape;235;p25"/>
+          <p:cNvSpPr txBox="1"/>
+          <p:nvPr>
+            <p:ph idx="1" type="body"/>
+          </p:nvPr>
+        </p:nvSpPr>
+        <p:spPr>
+          <a:xfrm>
+            <a:off x="729450" y="2078875"/>
+            <a:ext cx="7688700" cy="2261100"/>
+          </a:xfrm>
+          <a:prstGeom prst="rect">
+            <a:avLst/>
+          </a:prstGeom>
+        </p:spPr>
+        <p:txBody>
+          <a:bodyPr anchorCtr="0" anchor="t" bIns="91425" lIns="91425" spcFirstLastPara="1" rIns="91425" wrap="square" tIns="91425">
+            <a:normAutofit/>
+          </a:bodyPr>
+          <a:lstStyle/>
+          <a:p>
+            <a:pPr indent="0" lvl="0" marL="0" rtl="0" algn="l">
+              <a:spcBef>
+                <a:spcPts val="0"/>
+              </a:spcBef>
+              <a:spcAft>
+                <a:spcPts val="0"/>
+              </a:spcAft>
+              <a:buNone/>
+            </a:pPr>
+            <a:r>
+              <a:rPr b="1" lang="en" sz="1500"/>
+              <a:t>Sliding Window</a:t>
+            </a:r>
+            <a:r>
+              <a:rPr lang="en" sz="1500"/>
+              <a:t>: Use two metrics (SSIM and MSE) as the scores to evaluate the similarity between the missing frames and the consecutive frames (part 1); two consecutive frames (part 2).</a:t>
+            </a:r>
+            <a:endParaRPr sz="1500"/>
+          </a:p>
+          <a:p>
+            <a:pPr indent="0" lvl="0" marL="0" rtl="0" algn="l">
+              <a:spcBef>
+                <a:spcPts val="1200"/>
+              </a:spcBef>
+              <a:spcAft>
+                <a:spcPts val="1200"/>
+              </a:spcAft>
+              <a:buNone/>
+            </a:pPr>
+            <a:r>
+              <a:rPr b="1" lang="en" sz="1500"/>
+              <a:t>LSTM Model</a:t>
+            </a:r>
+            <a:r>
+              <a:rPr lang="en" sz="1500"/>
+              <a:t>: capture the relationship between consecutive frames, predict next frame. Compare the similarity between the predicted frames and the actual frames (part 2).</a:t>
+            </a:r>
+            <a:endParaRPr sz="1500"/>
+          </a:p>
+        </p:txBody>
+      </p:sp>
+      <p:pic>
+        <p:nvPicPr>
+          <p:cNvPr id="236" name="Google Shape;236;p25"/>
+          <p:cNvPicPr preferRelativeResize="0"/>
+          <p:nvPr/>
+        </p:nvPicPr>
+        <p:blipFill>
+          <a:blip r:embed="rId3">
+            <a:alphaModFix/>
+          </a:blip>
+          <a:stretch>
+            <a:fillRect/>
+          </a:stretch>
+        </p:blipFill>
+        <p:spPr>
+          <a:xfrm>
+            <a:off x="796988" y="544175"/>
+            <a:ext cx="1902438" cy="556575"/>
+          </a:xfrm>
+          <a:prstGeom prst="rect">
+            <a:avLst/>
+          </a:prstGeom>
+          <a:noFill/>
+          <a:ln>
+            <a:noFill/>
+          </a:ln>
+        </p:spPr>
+      </p:pic>
+      <p:pic>
+        <p:nvPicPr>
+          <p:cNvPr id="237" name="Google Shape;237;p25"/>
+          <p:cNvPicPr preferRelativeResize="0"/>
+          <p:nvPr/>
+        </p:nvPicPr>
+        <p:blipFill>
+          <a:blip r:embed="rId4">
+            <a:alphaModFix/>
+          </a:blip>
+          <a:stretch>
+            <a:fillRect/>
+          </a:stretch>
+        </p:blipFill>
+        <p:spPr>
+          <a:xfrm>
+            <a:off x="7330625" y="568000"/>
+            <a:ext cx="556575" cy="556575"/>
+          </a:xfrm>
+          <a:prstGeom prst="rect">
+            <a:avLst/>
+          </a:prstGeom>
+          <a:noFill/>
+          <a:ln>
+            <a:noFill/>
+          </a:ln>
+        </p:spPr>
+      </p:pic>
+      <p:pic>
+        <p:nvPicPr>
+          <p:cNvPr id="238" name="Google Shape;238;p25"/>
+          <p:cNvPicPr preferRelativeResize="0"/>
+          <p:nvPr/>
+        </p:nvPicPr>
+        <p:blipFill>
+          <a:blip r:embed="rId5">
+            <a:alphaModFix/>
+          </a:blip>
+          <a:stretch>
+            <a:fillRect/>
+          </a:stretch>
+        </p:blipFill>
+        <p:spPr>
+          <a:xfrm>
+            <a:off x="5596001" y="520350"/>
+            <a:ext cx="1582523" cy="604225"/>
+          </a:xfrm>
+          <a:prstGeom prst="rect">
+            <a:avLst/>
+          </a:prstGeom>
+          <a:noFill/>
+          <a:ln>
+            <a:noFill/>
+          </a:ln>
+        </p:spPr>
+      </p:pic>
+      <p:sp>
+        <p:nvSpPr>
+          <p:cNvPr id="239" name="Google Shape;239;p25"/>
+          <p:cNvSpPr txBox="1"/>
+          <p:nvPr/>
+        </p:nvSpPr>
+        <p:spPr>
+          <a:xfrm>
+            <a:off x="7886900" y="628400"/>
+            <a:ext cx="1478400" cy="340500"/>
+          </a:xfrm>
+          <a:prstGeom prst="rect">
+            <a:avLst/>
+          </a:prstGeom>
+          <a:noFill/>
+          <a:ln>
+            <a:noFill/>
+          </a:ln>
+        </p:spPr>
+        <p:txBody>
+          <a:bodyPr anchorCtr="0" anchor="t" bIns="91425" lIns="91425" spcFirstLastPara="1" rIns="91425" wrap="square" tIns="91425">
+            <a:noAutofit/>
+          </a:bodyPr>
+          <a:lstStyle/>
+          <a:p>
+            <a:pPr indent="0" lvl="0" marL="0" rtl="0" algn="l">
+              <a:spcBef>
+                <a:spcPts val="0"/>
+              </a:spcBef>
+              <a:spcAft>
+                <a:spcPts val="0"/>
+              </a:spcAft>
+              <a:buNone/>
+            </a:pPr>
+            <a:r>
+              <a:rPr b="1" lang="en" sz="2000">
+                <a:solidFill>
+                  <a:schemeClr val="accent1"/>
+                </a:solidFill>
+                <a:latin typeface="Lato"/>
+                <a:ea typeface="Lato"/>
+                <a:cs typeface="Lato"/>
+                <a:sym typeface="Lato"/>
+              </a:rPr>
+              <a:t>SIDI LAB</a:t>
+            </a:r>
+            <a:endParaRPr b="1" sz="2000">
+              <a:solidFill>
+                <a:schemeClr val="accent1"/>
+              </a:solidFill>
+              <a:latin typeface="Lato"/>
+              <a:ea typeface="Lato"/>
+              <a:cs typeface="Lato"/>
+              <a:sym typeface="Lato"/>
+            </a:endParaRPr>
+          </a:p>
+        </p:txBody>
+      </p:sp>
+    </p:spTree>
+  </p:cSld>
+  <p:clrMapOvr>
+    <a:masterClrMapping/>
+  </p:clrMapOvr>
+</p:sld>
+</file>
+
+<file path=ppt/slides/slide14.xml><?xml version="1.0" encoding="utf-8"?>
+<p:sld xmlns:a="http://schemas.openxmlformats.org/drawingml/2006/main" xmlns:r="http://schemas.openxmlformats.org/officeDocument/2006/relationships" xmlns:mc="http://schemas.openxmlformats.org/markup-compatibility/2006" xmlns:mv="urn:schemas-microsoft-com:mac:vml" xmlns:p="http://schemas.openxmlformats.org/presentationml/2006/main" xmlns:c="http://schemas.openxmlformats.org/drawingml/2006/chart" xmlns:dgm="http://schemas.openxmlformats.org/drawingml/2006/diagram" xmlns:o="urn:schemas-microsoft-com:office:office" xmlns:v="urn:schemas-microsoft-com:vml" xmlns:pvml="urn:schemas-microsoft-com:office:powerpoint" xmlns:com="http://schemas.openxmlformats.org/drawingml/2006/compatibility" xmlns:p14="http://schemas.microsoft.com/office/powerpoint/2010/main" xmlns:p15="http://schemas.microsoft.com/office/powerpoint/2012/main" xmlns:ahyp="http://schemas.microsoft.com/office/drawing/2018/hyperlinkcolor">
+  <p:cSld>
+    <p:spTree>
+      <p:nvGrpSpPr>
+        <p:cNvPr id="243" name="Shape 243"/>
+        <p:cNvGrpSpPr/>
+        <p:nvPr/>
+      </p:nvGrpSpPr>
+      <p:grpSpPr>
+        <a:xfrm>
+          <a:off x="0" y="0"/>
+          <a:ext cx="0" cy="0"/>
+          <a:chOff x="0" y="0"/>
+          <a:chExt cx="0" cy="0"/>
+        </a:xfrm>
+      </p:grpSpPr>
+      <p:sp>
+        <p:nvSpPr>
+          <p:cNvPr id="244" name="Google Shape;244;p26"/>
           <p:cNvSpPr txBox="1"/>
           <p:nvPr>
             <p:ph idx="1" type="body"/>
@@ -9162,6 +10103,148 @@
               <a:t>Thank you!</a:t>
             </a:r>
             <a:endParaRPr/>
+          </a:p>
+        </p:txBody>
+      </p:sp>
+      <p:pic>
+        <p:nvPicPr>
+          <p:cNvPr id="245" name="Google Shape;245;p26"/>
+          <p:cNvPicPr preferRelativeResize="0"/>
+          <p:nvPr/>
+        </p:nvPicPr>
+        <p:blipFill>
+          <a:blip r:embed="rId3">
+            <a:alphaModFix/>
+          </a:blip>
+          <a:stretch>
+            <a:fillRect/>
+          </a:stretch>
+        </p:blipFill>
+        <p:spPr>
+          <a:xfrm>
+            <a:off x="796988" y="544175"/>
+            <a:ext cx="1902438" cy="556575"/>
+          </a:xfrm>
+          <a:prstGeom prst="rect">
+            <a:avLst/>
+          </a:prstGeom>
+          <a:noFill/>
+          <a:ln>
+            <a:noFill/>
+          </a:ln>
+        </p:spPr>
+      </p:pic>
+      <p:pic>
+        <p:nvPicPr>
+          <p:cNvPr id="246" name="Google Shape;246;p26"/>
+          <p:cNvPicPr preferRelativeResize="0"/>
+          <p:nvPr/>
+        </p:nvPicPr>
+        <p:blipFill>
+          <a:blip r:embed="rId4">
+            <a:alphaModFix/>
+          </a:blip>
+          <a:stretch>
+            <a:fillRect/>
+          </a:stretch>
+        </p:blipFill>
+        <p:spPr>
+          <a:xfrm>
+            <a:off x="7330625" y="568000"/>
+            <a:ext cx="556575" cy="556575"/>
+          </a:xfrm>
+          <a:prstGeom prst="rect">
+            <a:avLst/>
+          </a:prstGeom>
+          <a:noFill/>
+          <a:ln>
+            <a:noFill/>
+          </a:ln>
+        </p:spPr>
+      </p:pic>
+      <p:pic>
+        <p:nvPicPr>
+          <p:cNvPr id="247" name="Google Shape;247;p26"/>
+          <p:cNvPicPr preferRelativeResize="0"/>
+          <p:nvPr/>
+        </p:nvPicPr>
+        <p:blipFill>
+          <a:blip r:embed="rId5">
+            <a:alphaModFix/>
+          </a:blip>
+          <a:stretch>
+            <a:fillRect/>
+          </a:stretch>
+        </p:blipFill>
+        <p:spPr>
+          <a:xfrm>
+            <a:off x="5596001" y="520350"/>
+            <a:ext cx="1582523" cy="604225"/>
+          </a:xfrm>
+          <a:prstGeom prst="rect">
+            <a:avLst/>
+          </a:prstGeom>
+          <a:noFill/>
+          <a:ln>
+            <a:noFill/>
+          </a:ln>
+        </p:spPr>
+      </p:pic>
+      <p:sp>
+        <p:nvSpPr>
+          <p:cNvPr id="248" name="Google Shape;248;p26"/>
+          <p:cNvSpPr txBox="1"/>
+          <p:nvPr/>
+        </p:nvSpPr>
+        <p:spPr>
+          <a:xfrm>
+            <a:off x="7886900" y="628400"/>
+            <a:ext cx="1478400" cy="340500"/>
+          </a:xfrm>
+          <a:prstGeom prst="rect">
+            <a:avLst/>
+          </a:prstGeom>
+          <a:noFill/>
+          <a:ln>
+            <a:noFill/>
+          </a:ln>
+        </p:spPr>
+        <p:txBody>
+          <a:bodyPr anchorCtr="0" anchor="t" bIns="91425" lIns="91425" spcFirstLastPara="1" rIns="91425" wrap="square" tIns="91425">
+            <a:noAutofit/>
+          </a:bodyPr>
+          <a:lstStyle/>
+          <a:p>
+            <a:pPr indent="0" lvl="0" marL="0" rtl="0" algn="l">
+              <a:spcBef>
+                <a:spcPts val="0"/>
+              </a:spcBef>
+              <a:spcAft>
+                <a:spcPts val="0"/>
+              </a:spcAft>
+              <a:buNone/>
+            </a:pPr>
+            <a:r>
+              <a:rPr b="1" lang="en" sz="2000">
+                <a:solidFill>
+                  <a:schemeClr val="accent1"/>
+                </a:solidFill>
+                <a:latin typeface="Lato"/>
+                <a:ea typeface="Lato"/>
+                <a:cs typeface="Lato"/>
+                <a:sym typeface="Lato"/>
+              </a:rPr>
+              <a:t>SIDI LAB</a:t>
+            </a:r>
+            <a:endParaRPr b="1" sz="2000">
+              <a:solidFill>
+                <a:schemeClr val="accent1"/>
+              </a:solidFill>
+              <a:latin typeface="Lato"/>
+              <a:ea typeface="Lato"/>
+              <a:cs typeface="Lato"/>
+              <a:sym typeface="Lato"/>
+            </a:endParaRPr>
           </a:p>
         </p:txBody>
       </p:sp>
@@ -9178,7 +10261,7 @@
   <p:cSld>
     <p:spTree>
       <p:nvGrpSpPr>
-        <p:cNvPr id="94" name="Shape 94"/>
+        <p:cNvPr id="95" name="Shape 95"/>
         <p:cNvGrpSpPr/>
         <p:nvPr/>
       </p:nvGrpSpPr>
@@ -9192,7 +10275,7 @@
       </p:grpSpPr>
       <p:sp>
         <p:nvSpPr>
-          <p:cNvPr id="95" name="Google Shape;95;p14"/>
+          <p:cNvPr id="96" name="Google Shape;96;p14"/>
           <p:cNvSpPr txBox="1"/>
           <p:nvPr>
             <p:ph type="title"/>
@@ -9232,7 +10315,7 @@
       </p:sp>
       <p:sp>
         <p:nvSpPr>
-          <p:cNvPr id="96" name="Google Shape;96;p14"/>
+          <p:cNvPr id="97" name="Google Shape;97;p14"/>
           <p:cNvSpPr txBox="1"/>
           <p:nvPr>
             <p:ph idx="1" type="body"/>
@@ -9321,6 +10404,148 @@
               <a:t/>
             </a:r>
             <a:endParaRPr/>
+          </a:p>
+        </p:txBody>
+      </p:sp>
+      <p:pic>
+        <p:nvPicPr>
+          <p:cNvPr id="98" name="Google Shape;98;p14"/>
+          <p:cNvPicPr preferRelativeResize="0"/>
+          <p:nvPr/>
+        </p:nvPicPr>
+        <p:blipFill>
+          <a:blip r:embed="rId3">
+            <a:alphaModFix/>
+          </a:blip>
+          <a:stretch>
+            <a:fillRect/>
+          </a:stretch>
+        </p:blipFill>
+        <p:spPr>
+          <a:xfrm>
+            <a:off x="796988" y="544175"/>
+            <a:ext cx="1902438" cy="556575"/>
+          </a:xfrm>
+          <a:prstGeom prst="rect">
+            <a:avLst/>
+          </a:prstGeom>
+          <a:noFill/>
+          <a:ln>
+            <a:noFill/>
+          </a:ln>
+        </p:spPr>
+      </p:pic>
+      <p:pic>
+        <p:nvPicPr>
+          <p:cNvPr id="99" name="Google Shape;99;p14"/>
+          <p:cNvPicPr preferRelativeResize="0"/>
+          <p:nvPr/>
+        </p:nvPicPr>
+        <p:blipFill>
+          <a:blip r:embed="rId4">
+            <a:alphaModFix/>
+          </a:blip>
+          <a:stretch>
+            <a:fillRect/>
+          </a:stretch>
+        </p:blipFill>
+        <p:spPr>
+          <a:xfrm>
+            <a:off x="7330625" y="568000"/>
+            <a:ext cx="556575" cy="556575"/>
+          </a:xfrm>
+          <a:prstGeom prst="rect">
+            <a:avLst/>
+          </a:prstGeom>
+          <a:noFill/>
+          <a:ln>
+            <a:noFill/>
+          </a:ln>
+        </p:spPr>
+      </p:pic>
+      <p:pic>
+        <p:nvPicPr>
+          <p:cNvPr id="100" name="Google Shape;100;p14"/>
+          <p:cNvPicPr preferRelativeResize="0"/>
+          <p:nvPr/>
+        </p:nvPicPr>
+        <p:blipFill>
+          <a:blip r:embed="rId5">
+            <a:alphaModFix/>
+          </a:blip>
+          <a:stretch>
+            <a:fillRect/>
+          </a:stretch>
+        </p:blipFill>
+        <p:spPr>
+          <a:xfrm>
+            <a:off x="5596001" y="520350"/>
+            <a:ext cx="1582523" cy="604225"/>
+          </a:xfrm>
+          <a:prstGeom prst="rect">
+            <a:avLst/>
+          </a:prstGeom>
+          <a:noFill/>
+          <a:ln>
+            <a:noFill/>
+          </a:ln>
+        </p:spPr>
+      </p:pic>
+      <p:sp>
+        <p:nvSpPr>
+          <p:cNvPr id="101" name="Google Shape;101;p14"/>
+          <p:cNvSpPr txBox="1"/>
+          <p:nvPr/>
+        </p:nvSpPr>
+        <p:spPr>
+          <a:xfrm>
+            <a:off x="7886900" y="628400"/>
+            <a:ext cx="1478400" cy="340500"/>
+          </a:xfrm>
+          <a:prstGeom prst="rect">
+            <a:avLst/>
+          </a:prstGeom>
+          <a:noFill/>
+          <a:ln>
+            <a:noFill/>
+          </a:ln>
+        </p:spPr>
+        <p:txBody>
+          <a:bodyPr anchorCtr="0" anchor="t" bIns="91425" lIns="91425" spcFirstLastPara="1" rIns="91425" wrap="square" tIns="91425">
+            <a:noAutofit/>
+          </a:bodyPr>
+          <a:lstStyle/>
+          <a:p>
+            <a:pPr indent="0" lvl="0" marL="0" rtl="0" algn="l">
+              <a:spcBef>
+                <a:spcPts val="0"/>
+              </a:spcBef>
+              <a:spcAft>
+                <a:spcPts val="0"/>
+              </a:spcAft>
+              <a:buNone/>
+            </a:pPr>
+            <a:r>
+              <a:rPr b="1" lang="en" sz="2000">
+                <a:solidFill>
+                  <a:schemeClr val="accent1"/>
+                </a:solidFill>
+                <a:latin typeface="Lato"/>
+                <a:ea typeface="Lato"/>
+                <a:cs typeface="Lato"/>
+                <a:sym typeface="Lato"/>
+              </a:rPr>
+              <a:t>SIDI LAB</a:t>
+            </a:r>
+            <a:endParaRPr b="1" sz="2000">
+              <a:solidFill>
+                <a:schemeClr val="accent1"/>
+              </a:solidFill>
+              <a:latin typeface="Lato"/>
+              <a:ea typeface="Lato"/>
+              <a:cs typeface="Lato"/>
+              <a:sym typeface="Lato"/>
+            </a:endParaRPr>
           </a:p>
         </p:txBody>
       </p:sp>
@@ -9337,7 +10562,7 @@
   <p:cSld>
     <p:spTree>
       <p:nvGrpSpPr>
-        <p:cNvPr id="100" name="Shape 100"/>
+        <p:cNvPr id="105" name="Shape 105"/>
         <p:cNvGrpSpPr/>
         <p:nvPr/>
       </p:nvGrpSpPr>
@@ -9351,7 +10576,7 @@
       </p:grpSpPr>
       <p:sp>
         <p:nvSpPr>
-          <p:cNvPr id="101" name="Google Shape;101;p15"/>
+          <p:cNvPr id="106" name="Google Shape;106;p15"/>
           <p:cNvSpPr txBox="1"/>
           <p:nvPr>
             <p:ph type="title"/>
@@ -9391,7 +10616,7 @@
       </p:sp>
       <p:sp>
         <p:nvSpPr>
-          <p:cNvPr id="102" name="Google Shape;102;p15"/>
+          <p:cNvPr id="107" name="Google Shape;107;p15"/>
           <p:cNvSpPr txBox="1"/>
           <p:nvPr>
             <p:ph idx="1" type="body"/>
@@ -9454,7 +10679,7 @@
       </p:sp>
       <p:pic>
         <p:nvPicPr>
-          <p:cNvPr id="103" name="Google Shape;103;p15"/>
+          <p:cNvPr id="108" name="Google Shape;108;p15"/>
           <p:cNvPicPr preferRelativeResize="0"/>
           <p:nvPr/>
         </p:nvPicPr>
@@ -9480,6 +10705,148 @@
           </a:ln>
         </p:spPr>
       </p:pic>
+      <p:pic>
+        <p:nvPicPr>
+          <p:cNvPr id="109" name="Google Shape;109;p15"/>
+          <p:cNvPicPr preferRelativeResize="0"/>
+          <p:nvPr/>
+        </p:nvPicPr>
+        <p:blipFill>
+          <a:blip r:embed="rId4">
+            <a:alphaModFix/>
+          </a:blip>
+          <a:stretch>
+            <a:fillRect/>
+          </a:stretch>
+        </p:blipFill>
+        <p:spPr>
+          <a:xfrm>
+            <a:off x="796988" y="544175"/>
+            <a:ext cx="1902438" cy="556575"/>
+          </a:xfrm>
+          <a:prstGeom prst="rect">
+            <a:avLst/>
+          </a:prstGeom>
+          <a:noFill/>
+          <a:ln>
+            <a:noFill/>
+          </a:ln>
+        </p:spPr>
+      </p:pic>
+      <p:pic>
+        <p:nvPicPr>
+          <p:cNvPr id="110" name="Google Shape;110;p15"/>
+          <p:cNvPicPr preferRelativeResize="0"/>
+          <p:nvPr/>
+        </p:nvPicPr>
+        <p:blipFill>
+          <a:blip r:embed="rId5">
+            <a:alphaModFix/>
+          </a:blip>
+          <a:stretch>
+            <a:fillRect/>
+          </a:stretch>
+        </p:blipFill>
+        <p:spPr>
+          <a:xfrm>
+            <a:off x="7330625" y="568000"/>
+            <a:ext cx="556575" cy="556575"/>
+          </a:xfrm>
+          <a:prstGeom prst="rect">
+            <a:avLst/>
+          </a:prstGeom>
+          <a:noFill/>
+          <a:ln>
+            <a:noFill/>
+          </a:ln>
+        </p:spPr>
+      </p:pic>
+      <p:pic>
+        <p:nvPicPr>
+          <p:cNvPr id="111" name="Google Shape;111;p15"/>
+          <p:cNvPicPr preferRelativeResize="0"/>
+          <p:nvPr/>
+        </p:nvPicPr>
+        <p:blipFill>
+          <a:blip r:embed="rId6">
+            <a:alphaModFix/>
+          </a:blip>
+          <a:stretch>
+            <a:fillRect/>
+          </a:stretch>
+        </p:blipFill>
+        <p:spPr>
+          <a:xfrm>
+            <a:off x="5596001" y="520350"/>
+            <a:ext cx="1582523" cy="604225"/>
+          </a:xfrm>
+          <a:prstGeom prst="rect">
+            <a:avLst/>
+          </a:prstGeom>
+          <a:noFill/>
+          <a:ln>
+            <a:noFill/>
+          </a:ln>
+        </p:spPr>
+      </p:pic>
+      <p:sp>
+        <p:nvSpPr>
+          <p:cNvPr id="112" name="Google Shape;112;p15"/>
+          <p:cNvSpPr txBox="1"/>
+          <p:nvPr/>
+        </p:nvSpPr>
+        <p:spPr>
+          <a:xfrm>
+            <a:off x="7886900" y="628400"/>
+            <a:ext cx="1478400" cy="340500"/>
+          </a:xfrm>
+          <a:prstGeom prst="rect">
+            <a:avLst/>
+          </a:prstGeom>
+          <a:noFill/>
+          <a:ln>
+            <a:noFill/>
+          </a:ln>
+        </p:spPr>
+        <p:txBody>
+          <a:bodyPr anchorCtr="0" anchor="t" bIns="91425" lIns="91425" spcFirstLastPara="1" rIns="91425" wrap="square" tIns="91425">
+            <a:noAutofit/>
+          </a:bodyPr>
+          <a:lstStyle/>
+          <a:p>
+            <a:pPr indent="0" lvl="0" marL="0" rtl="0" algn="l">
+              <a:spcBef>
+                <a:spcPts val="0"/>
+              </a:spcBef>
+              <a:spcAft>
+                <a:spcPts val="0"/>
+              </a:spcAft>
+              <a:buNone/>
+            </a:pPr>
+            <a:r>
+              <a:rPr b="1" lang="en" sz="2000">
+                <a:solidFill>
+                  <a:schemeClr val="accent1"/>
+                </a:solidFill>
+                <a:latin typeface="Lato"/>
+                <a:ea typeface="Lato"/>
+                <a:cs typeface="Lato"/>
+                <a:sym typeface="Lato"/>
+              </a:rPr>
+              <a:t>SIDI LAB</a:t>
+            </a:r>
+            <a:endParaRPr b="1" sz="2000">
+              <a:solidFill>
+                <a:schemeClr val="accent1"/>
+              </a:solidFill>
+              <a:latin typeface="Lato"/>
+              <a:ea typeface="Lato"/>
+              <a:cs typeface="Lato"/>
+              <a:sym typeface="Lato"/>
+            </a:endParaRPr>
+          </a:p>
+        </p:txBody>
+      </p:sp>
     </p:spTree>
   </p:cSld>
   <p:clrMapOvr>
@@ -9493,7 +10860,7 @@
   <p:cSld>
     <p:spTree>
       <p:nvGrpSpPr>
-        <p:cNvPr id="107" name="Shape 107"/>
+        <p:cNvPr id="116" name="Shape 116"/>
         <p:cNvGrpSpPr/>
         <p:nvPr/>
       </p:nvGrpSpPr>
@@ -9507,7 +10874,7 @@
       </p:grpSpPr>
       <p:sp>
         <p:nvSpPr>
-          <p:cNvPr id="108" name="Google Shape;108;p16"/>
+          <p:cNvPr id="117" name="Google Shape;117;p16"/>
           <p:cNvSpPr txBox="1"/>
           <p:nvPr>
             <p:ph type="title"/>
@@ -9547,7 +10914,7 @@
       </p:sp>
       <p:sp>
         <p:nvSpPr>
-          <p:cNvPr id="109" name="Google Shape;109;p16"/>
+          <p:cNvPr id="118" name="Google Shape;118;p16"/>
           <p:cNvSpPr txBox="1"/>
           <p:nvPr>
             <p:ph idx="1" type="body"/>
@@ -9595,7 +10962,7 @@
             </a:pPr>
             <a:r>
               <a:rPr lang="en" sz="1500"/>
-              <a:t>similarity between two images, considering changes in </a:t>
+              <a:t>Similarity between two images, considering changes in </a:t>
             </a:r>
             <a:r>
               <a:rPr b="1" lang="en" sz="1500"/>
@@ -9698,6 +11065,148 @@
               <a:t>: How similar the structures (e.g., edges and textures) are.</a:t>
             </a:r>
             <a:endParaRPr sz="1500"/>
+          </a:p>
+        </p:txBody>
+      </p:sp>
+      <p:pic>
+        <p:nvPicPr>
+          <p:cNvPr id="119" name="Google Shape;119;p16"/>
+          <p:cNvPicPr preferRelativeResize="0"/>
+          <p:nvPr/>
+        </p:nvPicPr>
+        <p:blipFill>
+          <a:blip r:embed="rId3">
+            <a:alphaModFix/>
+          </a:blip>
+          <a:stretch>
+            <a:fillRect/>
+          </a:stretch>
+        </p:blipFill>
+        <p:spPr>
+          <a:xfrm>
+            <a:off x="796988" y="544175"/>
+            <a:ext cx="1902438" cy="556575"/>
+          </a:xfrm>
+          <a:prstGeom prst="rect">
+            <a:avLst/>
+          </a:prstGeom>
+          <a:noFill/>
+          <a:ln>
+            <a:noFill/>
+          </a:ln>
+        </p:spPr>
+      </p:pic>
+      <p:pic>
+        <p:nvPicPr>
+          <p:cNvPr id="120" name="Google Shape;120;p16"/>
+          <p:cNvPicPr preferRelativeResize="0"/>
+          <p:nvPr/>
+        </p:nvPicPr>
+        <p:blipFill>
+          <a:blip r:embed="rId4">
+            <a:alphaModFix/>
+          </a:blip>
+          <a:stretch>
+            <a:fillRect/>
+          </a:stretch>
+        </p:blipFill>
+        <p:spPr>
+          <a:xfrm>
+            <a:off x="7330625" y="568000"/>
+            <a:ext cx="556575" cy="556575"/>
+          </a:xfrm>
+          <a:prstGeom prst="rect">
+            <a:avLst/>
+          </a:prstGeom>
+          <a:noFill/>
+          <a:ln>
+            <a:noFill/>
+          </a:ln>
+        </p:spPr>
+      </p:pic>
+      <p:pic>
+        <p:nvPicPr>
+          <p:cNvPr id="121" name="Google Shape;121;p16"/>
+          <p:cNvPicPr preferRelativeResize="0"/>
+          <p:nvPr/>
+        </p:nvPicPr>
+        <p:blipFill>
+          <a:blip r:embed="rId5">
+            <a:alphaModFix/>
+          </a:blip>
+          <a:stretch>
+            <a:fillRect/>
+          </a:stretch>
+        </p:blipFill>
+        <p:spPr>
+          <a:xfrm>
+            <a:off x="5596001" y="520350"/>
+            <a:ext cx="1582523" cy="604225"/>
+          </a:xfrm>
+          <a:prstGeom prst="rect">
+            <a:avLst/>
+          </a:prstGeom>
+          <a:noFill/>
+          <a:ln>
+            <a:noFill/>
+          </a:ln>
+        </p:spPr>
+      </p:pic>
+      <p:sp>
+        <p:nvSpPr>
+          <p:cNvPr id="122" name="Google Shape;122;p16"/>
+          <p:cNvSpPr txBox="1"/>
+          <p:nvPr/>
+        </p:nvSpPr>
+        <p:spPr>
+          <a:xfrm>
+            <a:off x="7886900" y="628400"/>
+            <a:ext cx="1478400" cy="340500"/>
+          </a:xfrm>
+          <a:prstGeom prst="rect">
+            <a:avLst/>
+          </a:prstGeom>
+          <a:noFill/>
+          <a:ln>
+            <a:noFill/>
+          </a:ln>
+        </p:spPr>
+        <p:txBody>
+          <a:bodyPr anchorCtr="0" anchor="t" bIns="91425" lIns="91425" spcFirstLastPara="1" rIns="91425" wrap="square" tIns="91425">
+            <a:noAutofit/>
+          </a:bodyPr>
+          <a:lstStyle/>
+          <a:p>
+            <a:pPr indent="0" lvl="0" marL="0" rtl="0" algn="l">
+              <a:spcBef>
+                <a:spcPts val="0"/>
+              </a:spcBef>
+              <a:spcAft>
+                <a:spcPts val="0"/>
+              </a:spcAft>
+              <a:buNone/>
+            </a:pPr>
+            <a:r>
+              <a:rPr b="1" lang="en" sz="2000">
+                <a:solidFill>
+                  <a:schemeClr val="accent1"/>
+                </a:solidFill>
+                <a:latin typeface="Lato"/>
+                <a:ea typeface="Lato"/>
+                <a:cs typeface="Lato"/>
+                <a:sym typeface="Lato"/>
+              </a:rPr>
+              <a:t>SIDI LAB</a:t>
+            </a:r>
+            <a:endParaRPr b="1" sz="2000">
+              <a:solidFill>
+                <a:schemeClr val="accent1"/>
+              </a:solidFill>
+              <a:latin typeface="Lato"/>
+              <a:ea typeface="Lato"/>
+              <a:cs typeface="Lato"/>
+              <a:sym typeface="Lato"/>
+            </a:endParaRPr>
           </a:p>
         </p:txBody>
       </p:sp>
@@ -9714,7 +11223,7 @@
   <p:cSld>
     <p:spTree>
       <p:nvGrpSpPr>
-        <p:cNvPr id="113" name="Shape 113"/>
+        <p:cNvPr id="126" name="Shape 126"/>
         <p:cNvGrpSpPr/>
         <p:nvPr/>
       </p:nvGrpSpPr>
@@ -9728,7 +11237,7 @@
       </p:grpSpPr>
       <p:sp>
         <p:nvSpPr>
-          <p:cNvPr id="114" name="Google Shape;114;p17"/>
+          <p:cNvPr id="127" name="Google Shape;127;p17"/>
           <p:cNvSpPr txBox="1"/>
           <p:nvPr>
             <p:ph type="title"/>
@@ -9759,35 +11268,20 @@
               <a:buNone/>
             </a:pPr>
             <a:r>
-              <a:rPr b="0" lang="en" sz="2300">
-                <a:latin typeface="Lato Black"/>
-                <a:ea typeface="Lato Black"/>
-                <a:cs typeface="Lato Black"/>
-                <a:sym typeface="Lato Black"/>
-              </a:rPr>
+              <a:rPr lang="en" sz="2300"/>
               <a:t>Technical Background: </a:t>
             </a:r>
             <a:r>
-              <a:rPr b="0" lang="en" sz="2300">
-                <a:latin typeface="Lato Black"/>
-                <a:ea typeface="Lato Black"/>
-                <a:cs typeface="Lato Black"/>
-                <a:sym typeface="Lato Black"/>
-              </a:rPr>
-              <a:t>LSTM (Long Short-Term Memory network)</a:t>
-            </a:r>
-            <a:endParaRPr b="0" sz="2300">
-              <a:latin typeface="Lato Black"/>
-              <a:ea typeface="Lato Black"/>
-              <a:cs typeface="Lato Black"/>
-              <a:sym typeface="Lato Black"/>
-            </a:endParaRPr>
+              <a:rPr lang="en" sz="2300"/>
+              <a:t>Long Short-Term Memory network (LSTM)</a:t>
+            </a:r>
+            <a:endParaRPr sz="2300"/>
           </a:p>
         </p:txBody>
       </p:sp>
       <p:sp>
         <p:nvSpPr>
-          <p:cNvPr id="115" name="Google Shape;115;p17"/>
+          <p:cNvPr id="128" name="Google Shape;128;p17"/>
           <p:cNvSpPr txBox="1"/>
           <p:nvPr>
             <p:ph idx="1" type="body"/>
@@ -9852,7 +11346,7 @@
                   <a:srgbClr val="000000"/>
                 </a:solidFill>
               </a:rPr>
-              <a:t>capture the </a:t>
+              <a:t>Capture the </a:t>
             </a:r>
             <a:r>
               <a:rPr b="1" lang="en" sz="1500">
@@ -9897,7 +11391,7 @@
                   <a:srgbClr val="000000"/>
                 </a:solidFill>
               </a:rPr>
-              <a:t>predict</a:t>
+              <a:t>Predict</a:t>
             </a:r>
             <a:r>
               <a:rPr lang="en" sz="1500">
@@ -9911,6 +11405,148 @@
               <a:solidFill>
                 <a:srgbClr val="000000"/>
               </a:solidFill>
+            </a:endParaRPr>
+          </a:p>
+        </p:txBody>
+      </p:sp>
+      <p:pic>
+        <p:nvPicPr>
+          <p:cNvPr id="129" name="Google Shape;129;p17"/>
+          <p:cNvPicPr preferRelativeResize="0"/>
+          <p:nvPr/>
+        </p:nvPicPr>
+        <p:blipFill>
+          <a:blip r:embed="rId3">
+            <a:alphaModFix/>
+          </a:blip>
+          <a:stretch>
+            <a:fillRect/>
+          </a:stretch>
+        </p:blipFill>
+        <p:spPr>
+          <a:xfrm>
+            <a:off x="796988" y="544175"/>
+            <a:ext cx="1902438" cy="556575"/>
+          </a:xfrm>
+          <a:prstGeom prst="rect">
+            <a:avLst/>
+          </a:prstGeom>
+          <a:noFill/>
+          <a:ln>
+            <a:noFill/>
+          </a:ln>
+        </p:spPr>
+      </p:pic>
+      <p:pic>
+        <p:nvPicPr>
+          <p:cNvPr id="130" name="Google Shape;130;p17"/>
+          <p:cNvPicPr preferRelativeResize="0"/>
+          <p:nvPr/>
+        </p:nvPicPr>
+        <p:blipFill>
+          <a:blip r:embed="rId4">
+            <a:alphaModFix/>
+          </a:blip>
+          <a:stretch>
+            <a:fillRect/>
+          </a:stretch>
+        </p:blipFill>
+        <p:spPr>
+          <a:xfrm>
+            <a:off x="7330625" y="568000"/>
+            <a:ext cx="556575" cy="556575"/>
+          </a:xfrm>
+          <a:prstGeom prst="rect">
+            <a:avLst/>
+          </a:prstGeom>
+          <a:noFill/>
+          <a:ln>
+            <a:noFill/>
+          </a:ln>
+        </p:spPr>
+      </p:pic>
+      <p:pic>
+        <p:nvPicPr>
+          <p:cNvPr id="131" name="Google Shape;131;p17"/>
+          <p:cNvPicPr preferRelativeResize="0"/>
+          <p:nvPr/>
+        </p:nvPicPr>
+        <p:blipFill>
+          <a:blip r:embed="rId5">
+            <a:alphaModFix/>
+          </a:blip>
+          <a:stretch>
+            <a:fillRect/>
+          </a:stretch>
+        </p:blipFill>
+        <p:spPr>
+          <a:xfrm>
+            <a:off x="5596001" y="520350"/>
+            <a:ext cx="1582523" cy="604225"/>
+          </a:xfrm>
+          <a:prstGeom prst="rect">
+            <a:avLst/>
+          </a:prstGeom>
+          <a:noFill/>
+          <a:ln>
+            <a:noFill/>
+          </a:ln>
+        </p:spPr>
+      </p:pic>
+      <p:sp>
+        <p:nvSpPr>
+          <p:cNvPr id="132" name="Google Shape;132;p17"/>
+          <p:cNvSpPr txBox="1"/>
+          <p:nvPr/>
+        </p:nvSpPr>
+        <p:spPr>
+          <a:xfrm>
+            <a:off x="7886900" y="628400"/>
+            <a:ext cx="1478400" cy="340500"/>
+          </a:xfrm>
+          <a:prstGeom prst="rect">
+            <a:avLst/>
+          </a:prstGeom>
+          <a:noFill/>
+          <a:ln>
+            <a:noFill/>
+          </a:ln>
+        </p:spPr>
+        <p:txBody>
+          <a:bodyPr anchorCtr="0" anchor="t" bIns="91425" lIns="91425" spcFirstLastPara="1" rIns="91425" wrap="square" tIns="91425">
+            <a:noAutofit/>
+          </a:bodyPr>
+          <a:lstStyle/>
+          <a:p>
+            <a:pPr indent="0" lvl="0" marL="0" rtl="0" algn="l">
+              <a:spcBef>
+                <a:spcPts val="0"/>
+              </a:spcBef>
+              <a:spcAft>
+                <a:spcPts val="0"/>
+              </a:spcAft>
+              <a:buNone/>
+            </a:pPr>
+            <a:r>
+              <a:rPr b="1" lang="en" sz="2000">
+                <a:solidFill>
+                  <a:schemeClr val="accent1"/>
+                </a:solidFill>
+                <a:latin typeface="Lato"/>
+                <a:ea typeface="Lato"/>
+                <a:cs typeface="Lato"/>
+                <a:sym typeface="Lato"/>
+              </a:rPr>
+              <a:t>SIDI LAB</a:t>
+            </a:r>
+            <a:endParaRPr b="1" sz="2000">
+              <a:solidFill>
+                <a:schemeClr val="accent1"/>
+              </a:solidFill>
+              <a:latin typeface="Lato"/>
+              <a:ea typeface="Lato"/>
+              <a:cs typeface="Lato"/>
+              <a:sym typeface="Lato"/>
             </a:endParaRPr>
           </a:p>
         </p:txBody>
@@ -9928,7 +11564,7 @@
   <p:cSld>
     <p:spTree>
       <p:nvGrpSpPr>
-        <p:cNvPr id="119" name="Shape 119"/>
+        <p:cNvPr id="136" name="Shape 136"/>
         <p:cNvGrpSpPr/>
         <p:nvPr/>
       </p:nvGrpSpPr>
@@ -9942,7 +11578,7 @@
       </p:grpSpPr>
       <p:sp>
         <p:nvSpPr>
-          <p:cNvPr id="120" name="Google Shape;120;p18"/>
+          <p:cNvPr id="137" name="Google Shape;137;p18"/>
           <p:cNvSpPr txBox="1"/>
           <p:nvPr>
             <p:ph type="title"/>
@@ -9974,7 +11610,7 @@
             </a:pPr>
             <a:r>
               <a:rPr lang="en"/>
-              <a:t>Part 1: Method</a:t>
+              <a:t>Part 1: Method - Sliding Window</a:t>
             </a:r>
             <a:endParaRPr/>
           </a:p>
@@ -9982,10 +11618,10 @@
       </p:sp>
       <p:cxnSp>
         <p:nvCxnSpPr>
-          <p:cNvPr id="121" name="Google Shape;121;p18"/>
+          <p:cNvPr id="138" name="Google Shape;138;p18"/>
           <p:cNvCxnSpPr>
-            <a:stCxn id="122" idx="0"/>
-            <a:endCxn id="123" idx="2"/>
+            <a:stCxn id="139" idx="0"/>
+            <a:endCxn id="140" idx="2"/>
           </p:cNvCxnSpPr>
           <p:nvPr/>
         </p:nvCxnSpPr>
@@ -10013,10 +11649,10 @@
       </p:cxnSp>
       <p:cxnSp>
         <p:nvCxnSpPr>
-          <p:cNvPr id="124" name="Google Shape;124;p18"/>
+          <p:cNvPr id="141" name="Google Shape;141;p18"/>
           <p:cNvCxnSpPr>
-            <a:stCxn id="125" idx="0"/>
-            <a:endCxn id="122" idx="2"/>
+            <a:stCxn id="142" idx="0"/>
+            <a:endCxn id="139" idx="2"/>
           </p:cNvCxnSpPr>
           <p:nvPr/>
         </p:nvCxnSpPr>
@@ -10044,7 +11680,7 @@
       </p:cxnSp>
       <p:sp>
         <p:nvSpPr>
-          <p:cNvPr id="123" name="Google Shape;123;p18"/>
+          <p:cNvPr id="140" name="Google Shape;140;p18"/>
           <p:cNvSpPr txBox="1"/>
           <p:nvPr/>
         </p:nvSpPr>
@@ -10108,7 +11744,7 @@
       </p:sp>
       <p:sp>
         <p:nvSpPr>
-          <p:cNvPr id="122" name="Google Shape;122;p18"/>
+          <p:cNvPr id="139" name="Google Shape;139;p18"/>
           <p:cNvSpPr txBox="1"/>
           <p:nvPr/>
         </p:nvSpPr>
@@ -10172,7 +11808,7 @@
       </p:sp>
       <p:sp>
         <p:nvSpPr>
-          <p:cNvPr id="126" name="Google Shape;126;p18"/>
+          <p:cNvPr id="143" name="Google Shape;143;p18"/>
           <p:cNvSpPr txBox="1"/>
           <p:nvPr/>
         </p:nvSpPr>
@@ -10248,7 +11884,7 @@
       </p:sp>
       <p:sp>
         <p:nvSpPr>
-          <p:cNvPr id="127" name="Google Shape;127;p18"/>
+          <p:cNvPr id="144" name="Google Shape;144;p18"/>
           <p:cNvSpPr txBox="1"/>
           <p:nvPr/>
         </p:nvSpPr>
@@ -10312,7 +11948,7 @@
       </p:sp>
       <p:sp>
         <p:nvSpPr>
-          <p:cNvPr id="125" name="Google Shape;125;p18"/>
+          <p:cNvPr id="142" name="Google Shape;142;p18"/>
           <p:cNvSpPr txBox="1"/>
           <p:nvPr/>
         </p:nvSpPr>
@@ -10376,10 +12012,10 @@
       </p:sp>
       <p:cxnSp>
         <p:nvCxnSpPr>
-          <p:cNvPr id="128" name="Google Shape;128;p18"/>
+          <p:cNvPr id="145" name="Google Shape;145;p18"/>
           <p:cNvCxnSpPr>
-            <a:stCxn id="126" idx="0"/>
-            <a:endCxn id="125" idx="2"/>
+            <a:stCxn id="143" idx="0"/>
+            <a:endCxn id="142" idx="2"/>
           </p:cNvCxnSpPr>
           <p:nvPr/>
         </p:nvCxnSpPr>
@@ -10407,7 +12043,7 @@
       </p:cxnSp>
       <p:sp>
         <p:nvSpPr>
-          <p:cNvPr id="129" name="Google Shape;129;p18"/>
+          <p:cNvPr id="146" name="Google Shape;146;p18"/>
           <p:cNvSpPr txBox="1"/>
           <p:nvPr/>
         </p:nvSpPr>
@@ -10493,7 +12129,19 @@
                 <a:cs typeface="Lato"/>
                 <a:sym typeface="Lato"/>
               </a:rPr>
-              <a:t>evaluate the similarity between the missing frames and three consecutive frames</a:t>
+              <a:t>E</a:t>
+            </a:r>
+            <a:r>
+              <a:rPr lang="en" sz="1500">
+                <a:solidFill>
+                  <a:schemeClr val="accent1"/>
+                </a:solidFill>
+                <a:latin typeface="Lato"/>
+                <a:ea typeface="Lato"/>
+                <a:cs typeface="Lato"/>
+                <a:sym typeface="Lato"/>
+              </a:rPr>
+              <a:t>valuate the similarity between the missing frame and three consecutive frames</a:t>
             </a:r>
             <a:r>
               <a:rPr lang="en" sz="1500">
@@ -10544,9 +12192,9 @@
       </p:sp>
       <p:cxnSp>
         <p:nvCxnSpPr>
-          <p:cNvPr id="130" name="Google Shape;130;p18"/>
+          <p:cNvPr id="147" name="Google Shape;147;p18"/>
           <p:cNvCxnSpPr>
-            <a:stCxn id="127" idx="0"/>
+            <a:stCxn id="144" idx="0"/>
           </p:cNvCxnSpPr>
           <p:nvPr/>
         </p:nvCxnSpPr>
@@ -10572,6 +12220,148 @@
           </a:ln>
         </p:spPr>
       </p:cxnSp>
+      <p:pic>
+        <p:nvPicPr>
+          <p:cNvPr id="148" name="Google Shape;148;p18"/>
+          <p:cNvPicPr preferRelativeResize="0"/>
+          <p:nvPr/>
+        </p:nvPicPr>
+        <p:blipFill>
+          <a:blip r:embed="rId3">
+            <a:alphaModFix/>
+          </a:blip>
+          <a:stretch>
+            <a:fillRect/>
+          </a:stretch>
+        </p:blipFill>
+        <p:spPr>
+          <a:xfrm>
+            <a:off x="796988" y="544175"/>
+            <a:ext cx="1902438" cy="556575"/>
+          </a:xfrm>
+          <a:prstGeom prst="rect">
+            <a:avLst/>
+          </a:prstGeom>
+          <a:noFill/>
+          <a:ln>
+            <a:noFill/>
+          </a:ln>
+        </p:spPr>
+      </p:pic>
+      <p:pic>
+        <p:nvPicPr>
+          <p:cNvPr id="149" name="Google Shape;149;p18"/>
+          <p:cNvPicPr preferRelativeResize="0"/>
+          <p:nvPr/>
+        </p:nvPicPr>
+        <p:blipFill>
+          <a:blip r:embed="rId4">
+            <a:alphaModFix/>
+          </a:blip>
+          <a:stretch>
+            <a:fillRect/>
+          </a:stretch>
+        </p:blipFill>
+        <p:spPr>
+          <a:xfrm>
+            <a:off x="7330625" y="568000"/>
+            <a:ext cx="556575" cy="556575"/>
+          </a:xfrm>
+          <a:prstGeom prst="rect">
+            <a:avLst/>
+          </a:prstGeom>
+          <a:noFill/>
+          <a:ln>
+            <a:noFill/>
+          </a:ln>
+        </p:spPr>
+      </p:pic>
+      <p:pic>
+        <p:nvPicPr>
+          <p:cNvPr id="150" name="Google Shape;150;p18"/>
+          <p:cNvPicPr preferRelativeResize="0"/>
+          <p:nvPr/>
+        </p:nvPicPr>
+        <p:blipFill>
+          <a:blip r:embed="rId5">
+            <a:alphaModFix/>
+          </a:blip>
+          <a:stretch>
+            <a:fillRect/>
+          </a:stretch>
+        </p:blipFill>
+        <p:spPr>
+          <a:xfrm>
+            <a:off x="5596001" y="520350"/>
+            <a:ext cx="1582523" cy="604225"/>
+          </a:xfrm>
+          <a:prstGeom prst="rect">
+            <a:avLst/>
+          </a:prstGeom>
+          <a:noFill/>
+          <a:ln>
+            <a:noFill/>
+          </a:ln>
+        </p:spPr>
+      </p:pic>
+      <p:sp>
+        <p:nvSpPr>
+          <p:cNvPr id="151" name="Google Shape;151;p18"/>
+          <p:cNvSpPr txBox="1"/>
+          <p:nvPr/>
+        </p:nvSpPr>
+        <p:spPr>
+          <a:xfrm>
+            <a:off x="7886900" y="628400"/>
+            <a:ext cx="1478400" cy="340500"/>
+          </a:xfrm>
+          <a:prstGeom prst="rect">
+            <a:avLst/>
+          </a:prstGeom>
+          <a:noFill/>
+          <a:ln>
+            <a:noFill/>
+          </a:ln>
+        </p:spPr>
+        <p:txBody>
+          <a:bodyPr anchorCtr="0" anchor="t" bIns="91425" lIns="91425" spcFirstLastPara="1" rIns="91425" wrap="square" tIns="91425">
+            <a:noAutofit/>
+          </a:bodyPr>
+          <a:lstStyle/>
+          <a:p>
+            <a:pPr indent="0" lvl="0" marL="0" rtl="0" algn="l">
+              <a:spcBef>
+                <a:spcPts val="0"/>
+              </a:spcBef>
+              <a:spcAft>
+                <a:spcPts val="0"/>
+              </a:spcAft>
+              <a:buNone/>
+            </a:pPr>
+            <a:r>
+              <a:rPr b="1" lang="en" sz="2000">
+                <a:solidFill>
+                  <a:schemeClr val="accent1"/>
+                </a:solidFill>
+                <a:latin typeface="Lato"/>
+                <a:ea typeface="Lato"/>
+                <a:cs typeface="Lato"/>
+                <a:sym typeface="Lato"/>
+              </a:rPr>
+              <a:t>SIDI LAB</a:t>
+            </a:r>
+            <a:endParaRPr b="1" sz="2000">
+              <a:solidFill>
+                <a:schemeClr val="accent1"/>
+              </a:solidFill>
+              <a:latin typeface="Lato"/>
+              <a:ea typeface="Lato"/>
+              <a:cs typeface="Lato"/>
+              <a:sym typeface="Lato"/>
+            </a:endParaRPr>
+          </a:p>
+        </p:txBody>
+      </p:sp>
     </p:spTree>
   </p:cSld>
   <p:clrMapOvr>
@@ -10585,7 +12375,7 @@
   <p:cSld>
     <p:spTree>
       <p:nvGrpSpPr>
-        <p:cNvPr id="134" name="Shape 134"/>
+        <p:cNvPr id="155" name="Shape 155"/>
         <p:cNvGrpSpPr/>
         <p:nvPr/>
       </p:nvGrpSpPr>
@@ -10599,7 +12389,7 @@
       </p:grpSpPr>
       <p:sp>
         <p:nvSpPr>
-          <p:cNvPr id="135" name="Google Shape;135;p19"/>
+          <p:cNvPr id="156" name="Google Shape;156;p19"/>
           <p:cNvSpPr txBox="1"/>
           <p:nvPr>
             <p:ph type="title"/>
@@ -10631,7 +12421,7 @@
             </a:pPr>
             <a:r>
               <a:rPr lang="en"/>
-              <a:t>Part 2: Method - Direct Approach</a:t>
+              <a:t>Part 1: Method - Sliding Window</a:t>
             </a:r>
             <a:endParaRPr/>
           </a:p>
@@ -10639,21 +12429,21 @@
       </p:sp>
       <p:cxnSp>
         <p:nvCxnSpPr>
-          <p:cNvPr id="136" name="Google Shape;136;p19"/>
+          <p:cNvPr id="157" name="Google Shape;157;p19"/>
           <p:cNvCxnSpPr>
-            <a:stCxn id="137" idx="0"/>
-            <a:endCxn id="138" idx="2"/>
+            <a:stCxn id="158" idx="0"/>
+            <a:endCxn id="159" idx="2"/>
           </p:cNvCxnSpPr>
           <p:nvPr/>
         </p:nvCxnSpPr>
         <p:spPr>
           <a:xfrm rot="-5400000">
-            <a:off x="4438950" y="2491425"/>
-            <a:ext cx="266700" cy="600"/>
+            <a:off x="4402500" y="2713325"/>
+            <a:ext cx="339600" cy="600"/>
           </a:xfrm>
           <a:prstGeom prst="bentConnector3">
             <a:avLst>
-              <a:gd fmla="val 50000" name="adj1"/>
+              <a:gd fmla="val 50007" name="adj1"/>
             </a:avLst>
           </a:prstGeom>
           <a:noFill/>
@@ -10668,47 +12458,16 @@
           </a:ln>
         </p:spPr>
       </p:cxnSp>
-      <p:cxnSp>
-        <p:nvCxnSpPr>
-          <p:cNvPr id="139" name="Google Shape;139;p19"/>
-          <p:cNvCxnSpPr>
-            <a:stCxn id="140" idx="0"/>
-            <a:endCxn id="137" idx="2"/>
-          </p:cNvCxnSpPr>
-          <p:nvPr/>
-        </p:nvCxnSpPr>
-        <p:spPr>
-          <a:xfrm rot="-5400000">
-            <a:off x="4466850" y="3096388"/>
-            <a:ext cx="210900" cy="600"/>
-          </a:xfrm>
-          <a:prstGeom prst="bentConnector3">
-            <a:avLst>
-              <a:gd fmla="val 49967" name="adj1"/>
-            </a:avLst>
-          </a:prstGeom>
-          <a:noFill/>
-          <a:ln cap="flat" cmpd="sng" w="19050">
-            <a:solidFill>
-              <a:srgbClr val="C2C2C2"/>
-            </a:solidFill>
-            <a:prstDash val="solid"/>
-            <a:miter lim="8000"/>
-            <a:headEnd len="sm" w="sm" type="none"/>
-            <a:tailEnd len="sm" w="sm" type="none"/>
-          </a:ln>
-        </p:spPr>
-      </p:cxnSp>
       <p:sp>
         <p:nvSpPr>
-          <p:cNvPr id="138" name="Google Shape;138;p19"/>
+          <p:cNvPr id="159" name="Google Shape;159;p19"/>
           <p:cNvSpPr txBox="1"/>
           <p:nvPr/>
         </p:nvSpPr>
         <p:spPr>
           <a:xfrm>
-            <a:off x="3664650" y="1992075"/>
-            <a:ext cx="1814700" cy="366300"/>
+            <a:off x="3664650" y="1915875"/>
+            <a:ext cx="1814700" cy="627900"/>
           </a:xfrm>
           <a:prstGeom prst="rect">
             <a:avLst/>
@@ -10749,7 +12508,31 @@
                 <a:cs typeface="Roboto"/>
                 <a:sym typeface="Roboto"/>
               </a:rPr>
-              <a:t>Input two consecutive frames</a:t>
+              <a:t>Select the </a:t>
+            </a:r>
+            <a:r>
+              <a:rPr b="1" lang="en" sz="1000">
+                <a:solidFill>
+                  <a:srgbClr val="A7291E"/>
+                </a:solidFill>
+                <a:latin typeface="Roboto"/>
+                <a:ea typeface="Roboto"/>
+                <a:cs typeface="Roboto"/>
+                <a:sym typeface="Roboto"/>
+              </a:rPr>
+              <a:t>top 10</a:t>
+            </a:r>
+            <a:r>
+              <a:rPr lang="en" sz="1000">
+                <a:solidFill>
+                  <a:srgbClr val="A7291E"/>
+                </a:solidFill>
+                <a:latin typeface="Roboto"/>
+                <a:ea typeface="Roboto"/>
+                <a:cs typeface="Roboto"/>
+                <a:sym typeface="Roboto"/>
+              </a:rPr>
+              <a:t> three consecutive frames with the highest scores.</a:t>
             </a:r>
             <a:endParaRPr sz="1000">
               <a:solidFill>
@@ -10765,13 +12548,13 @@
       </p:sp>
       <p:sp>
         <p:nvSpPr>
-          <p:cNvPr id="137" name="Google Shape;137;p19"/>
+          <p:cNvPr id="158" name="Google Shape;158;p19"/>
           <p:cNvSpPr txBox="1"/>
           <p:nvPr/>
         </p:nvSpPr>
         <p:spPr>
           <a:xfrm>
-            <a:off x="3240900" y="2625075"/>
+            <a:off x="3240900" y="2883425"/>
             <a:ext cx="2662200" cy="366300"/>
           </a:xfrm>
           <a:prstGeom prst="rect">
@@ -10813,7 +12596,7 @@
                 <a:cs typeface="Roboto"/>
                 <a:sym typeface="Roboto"/>
               </a:rPr>
-              <a:t>Calculate SSIM(missing frame, given frame) and MSE(missing frame, given frame)</a:t>
+              <a:t>Calculate score(missing frame, each frame of 30 frames)</a:t>
             </a:r>
             <a:endParaRPr sz="1000">
               <a:solidFill>
@@ -10829,14 +12612,408 @@
       </p:sp>
       <p:sp>
         <p:nvSpPr>
-          <p:cNvPr id="141" name="Google Shape;141;p19"/>
+          <p:cNvPr id="160" name="Google Shape;160;p19"/>
           <p:cNvSpPr txBox="1"/>
           <p:nvPr/>
         </p:nvSpPr>
         <p:spPr>
           <a:xfrm>
-            <a:off x="3514800" y="3845275"/>
-            <a:ext cx="2118000" cy="366300"/>
+            <a:off x="6105000" y="1998350"/>
+            <a:ext cx="3039000" cy="1515300"/>
+          </a:xfrm>
+          <a:prstGeom prst="rect">
+            <a:avLst/>
+          </a:prstGeom>
+          <a:noFill/>
+          <a:ln>
+            <a:noFill/>
+          </a:ln>
+        </p:spPr>
+        <p:txBody>
+          <a:bodyPr anchorCtr="0" anchor="t" bIns="91425" lIns="91425" spcFirstLastPara="1" rIns="91425" wrap="square" tIns="91425">
+            <a:noAutofit/>
+          </a:bodyPr>
+          <a:lstStyle/>
+          <a:p>
+            <a:pPr indent="0" lvl="0" marL="0" rtl="0" algn="l">
+              <a:spcBef>
+                <a:spcPts val="0"/>
+              </a:spcBef>
+              <a:spcAft>
+                <a:spcPts val="0"/>
+              </a:spcAft>
+              <a:buNone/>
+            </a:pPr>
+            <a:r>
+              <a:rPr b="1" lang="en" sz="1500">
+                <a:solidFill>
+                  <a:schemeClr val="accent1"/>
+                </a:solidFill>
+                <a:latin typeface="Lato"/>
+                <a:ea typeface="Lato"/>
+                <a:cs typeface="Lato"/>
+                <a:sym typeface="Lato"/>
+              </a:rPr>
+              <a:t>Objective</a:t>
+            </a:r>
+            <a:r>
+              <a:rPr lang="en" sz="1500">
+                <a:solidFill>
+                  <a:schemeClr val="accent1"/>
+                </a:solidFill>
+                <a:latin typeface="Lato"/>
+                <a:ea typeface="Lato"/>
+                <a:cs typeface="Lato"/>
+                <a:sym typeface="Lato"/>
+              </a:rPr>
+              <a:t>: </a:t>
+            </a:r>
+            <a:endParaRPr sz="1500">
+              <a:solidFill>
+                <a:schemeClr val="accent1"/>
+              </a:solidFill>
+              <a:latin typeface="Lato"/>
+              <a:ea typeface="Lato"/>
+              <a:cs typeface="Lato"/>
+              <a:sym typeface="Lato"/>
+            </a:endParaRPr>
+          </a:p>
+          <a:p>
+            <a:pPr indent="0" lvl="0" marL="0" rtl="0" algn="l">
+              <a:spcBef>
+                <a:spcPts val="0"/>
+              </a:spcBef>
+              <a:spcAft>
+                <a:spcPts val="0"/>
+              </a:spcAft>
+              <a:buNone/>
+            </a:pPr>
+            <a:r>
+              <a:rPr lang="en" sz="1500">
+                <a:solidFill>
+                  <a:schemeClr val="accent1"/>
+                </a:solidFill>
+                <a:latin typeface="Lato"/>
+                <a:ea typeface="Lato"/>
+                <a:cs typeface="Lato"/>
+                <a:sym typeface="Lato"/>
+              </a:rPr>
+              <a:t>Evaluate the similarity between the missing frame and each frame of three consecutive frames in Top 10 (30 frames).</a:t>
+            </a:r>
+            <a:endParaRPr sz="1500">
+              <a:solidFill>
+                <a:schemeClr val="accent1"/>
+              </a:solidFill>
+              <a:latin typeface="Lato"/>
+              <a:ea typeface="Lato"/>
+              <a:cs typeface="Lato"/>
+              <a:sym typeface="Lato"/>
+            </a:endParaRPr>
+          </a:p>
+          <a:p>
+            <a:pPr indent="0" lvl="0" marL="0" rtl="0" algn="l">
+              <a:spcBef>
+                <a:spcPts val="0"/>
+              </a:spcBef>
+              <a:spcAft>
+                <a:spcPts val="0"/>
+              </a:spcAft>
+              <a:buNone/>
+            </a:pPr>
+            <a:r>
+              <a:t/>
+            </a:r>
+            <a:endParaRPr sz="1300">
+              <a:solidFill>
+                <a:schemeClr val="accent1"/>
+              </a:solidFill>
+              <a:latin typeface="Lato"/>
+              <a:ea typeface="Lato"/>
+              <a:cs typeface="Lato"/>
+              <a:sym typeface="Lato"/>
+            </a:endParaRPr>
+          </a:p>
+        </p:txBody>
+      </p:sp>
+      <p:pic>
+        <p:nvPicPr>
+          <p:cNvPr id="161" name="Google Shape;161;p19"/>
+          <p:cNvPicPr preferRelativeResize="0"/>
+          <p:nvPr/>
+        </p:nvPicPr>
+        <p:blipFill>
+          <a:blip r:embed="rId3">
+            <a:alphaModFix/>
+          </a:blip>
+          <a:stretch>
+            <a:fillRect/>
+          </a:stretch>
+        </p:blipFill>
+        <p:spPr>
+          <a:xfrm>
+            <a:off x="796988" y="544175"/>
+            <a:ext cx="1902438" cy="556575"/>
+          </a:xfrm>
+          <a:prstGeom prst="rect">
+            <a:avLst/>
+          </a:prstGeom>
+          <a:noFill/>
+          <a:ln>
+            <a:noFill/>
+          </a:ln>
+        </p:spPr>
+      </p:pic>
+      <p:pic>
+        <p:nvPicPr>
+          <p:cNvPr id="162" name="Google Shape;162;p19"/>
+          <p:cNvPicPr preferRelativeResize="0"/>
+          <p:nvPr/>
+        </p:nvPicPr>
+        <p:blipFill>
+          <a:blip r:embed="rId4">
+            <a:alphaModFix/>
+          </a:blip>
+          <a:stretch>
+            <a:fillRect/>
+          </a:stretch>
+        </p:blipFill>
+        <p:spPr>
+          <a:xfrm>
+            <a:off x="7330625" y="568000"/>
+            <a:ext cx="556575" cy="556575"/>
+          </a:xfrm>
+          <a:prstGeom prst="rect">
+            <a:avLst/>
+          </a:prstGeom>
+          <a:noFill/>
+          <a:ln>
+            <a:noFill/>
+          </a:ln>
+        </p:spPr>
+      </p:pic>
+      <p:pic>
+        <p:nvPicPr>
+          <p:cNvPr id="163" name="Google Shape;163;p19"/>
+          <p:cNvPicPr preferRelativeResize="0"/>
+          <p:nvPr/>
+        </p:nvPicPr>
+        <p:blipFill>
+          <a:blip r:embed="rId5">
+            <a:alphaModFix/>
+          </a:blip>
+          <a:stretch>
+            <a:fillRect/>
+          </a:stretch>
+        </p:blipFill>
+        <p:spPr>
+          <a:xfrm>
+            <a:off x="5596001" y="520350"/>
+            <a:ext cx="1582523" cy="604225"/>
+          </a:xfrm>
+          <a:prstGeom prst="rect">
+            <a:avLst/>
+          </a:prstGeom>
+          <a:noFill/>
+          <a:ln>
+            <a:noFill/>
+          </a:ln>
+        </p:spPr>
+      </p:pic>
+      <p:sp>
+        <p:nvSpPr>
+          <p:cNvPr id="164" name="Google Shape;164;p19"/>
+          <p:cNvSpPr txBox="1"/>
+          <p:nvPr/>
+        </p:nvSpPr>
+        <p:spPr>
+          <a:xfrm>
+            <a:off x="7886900" y="628400"/>
+            <a:ext cx="1478400" cy="340500"/>
+          </a:xfrm>
+          <a:prstGeom prst="rect">
+            <a:avLst/>
+          </a:prstGeom>
+          <a:noFill/>
+          <a:ln>
+            <a:noFill/>
+          </a:ln>
+        </p:spPr>
+        <p:txBody>
+          <a:bodyPr anchorCtr="0" anchor="t" bIns="91425" lIns="91425" spcFirstLastPara="1" rIns="91425" wrap="square" tIns="91425">
+            <a:noAutofit/>
+          </a:bodyPr>
+          <a:lstStyle/>
+          <a:p>
+            <a:pPr indent="0" lvl="0" marL="0" rtl="0" algn="l">
+              <a:spcBef>
+                <a:spcPts val="0"/>
+              </a:spcBef>
+              <a:spcAft>
+                <a:spcPts val="0"/>
+              </a:spcAft>
+              <a:buNone/>
+            </a:pPr>
+            <a:r>
+              <a:rPr b="1" lang="en" sz="2000">
+                <a:solidFill>
+                  <a:schemeClr val="accent1"/>
+                </a:solidFill>
+                <a:latin typeface="Lato"/>
+                <a:ea typeface="Lato"/>
+                <a:cs typeface="Lato"/>
+                <a:sym typeface="Lato"/>
+              </a:rPr>
+              <a:t>SIDI LAB</a:t>
+            </a:r>
+            <a:endParaRPr b="1" sz="2000">
+              <a:solidFill>
+                <a:schemeClr val="accent1"/>
+              </a:solidFill>
+              <a:latin typeface="Lato"/>
+              <a:ea typeface="Lato"/>
+              <a:cs typeface="Lato"/>
+              <a:sym typeface="Lato"/>
+            </a:endParaRPr>
+          </a:p>
+        </p:txBody>
+      </p:sp>
+    </p:spTree>
+  </p:cSld>
+  <p:clrMapOvr>
+    <a:masterClrMapping/>
+  </p:clrMapOvr>
+</p:sld>
+</file>
+
+<file path=ppt/slides/slide8.xml><?xml version="1.0" encoding="utf-8"?>
+<p:sld xmlns:a="http://schemas.openxmlformats.org/drawingml/2006/main" xmlns:r="http://schemas.openxmlformats.org/officeDocument/2006/relationships" xmlns:mc="http://schemas.openxmlformats.org/markup-compatibility/2006" xmlns:mv="urn:schemas-microsoft-com:mac:vml" xmlns:p="http://schemas.openxmlformats.org/presentationml/2006/main" xmlns:c="http://schemas.openxmlformats.org/drawingml/2006/chart" xmlns:dgm="http://schemas.openxmlformats.org/drawingml/2006/diagram" xmlns:o="urn:schemas-microsoft-com:office:office" xmlns:v="urn:schemas-microsoft-com:vml" xmlns:pvml="urn:schemas-microsoft-com:office:powerpoint" xmlns:com="http://schemas.openxmlformats.org/drawingml/2006/compatibility" xmlns:p14="http://schemas.microsoft.com/office/powerpoint/2010/main" xmlns:p15="http://schemas.microsoft.com/office/powerpoint/2012/main" xmlns:ahyp="http://schemas.microsoft.com/office/drawing/2018/hyperlinkcolor">
+  <p:cSld>
+    <p:spTree>
+      <p:nvGrpSpPr>
+        <p:cNvPr id="168" name="Shape 168"/>
+        <p:cNvGrpSpPr/>
+        <p:nvPr/>
+      </p:nvGrpSpPr>
+      <p:grpSpPr>
+        <a:xfrm>
+          <a:off x="0" y="0"/>
+          <a:ext cx="0" cy="0"/>
+          <a:chOff x="0" y="0"/>
+          <a:chExt cx="0" cy="0"/>
+        </a:xfrm>
+      </p:grpSpPr>
+      <p:sp>
+        <p:nvSpPr>
+          <p:cNvPr id="169" name="Google Shape;169;p20"/>
+          <p:cNvSpPr txBox="1"/>
+          <p:nvPr>
+            <p:ph type="title"/>
+          </p:nvPr>
+        </p:nvSpPr>
+        <p:spPr>
+          <a:xfrm>
+            <a:off x="729450" y="1318650"/>
+            <a:ext cx="7688700" cy="535200"/>
+          </a:xfrm>
+          <a:prstGeom prst="rect">
+            <a:avLst/>
+          </a:prstGeom>
+        </p:spPr>
+        <p:txBody>
+          <a:bodyPr anchorCtr="0" anchor="t" bIns="91425" lIns="91425" spcFirstLastPara="1" rIns="91425" wrap="square" tIns="91425">
+            <a:normAutofit fontScale="90000"/>
+          </a:bodyPr>
+          <a:lstStyle/>
+          <a:p>
+            <a:pPr indent="0" lvl="0" marL="0" rtl="0" algn="l">
+              <a:spcBef>
+                <a:spcPts val="0"/>
+              </a:spcBef>
+              <a:spcAft>
+                <a:spcPts val="0"/>
+              </a:spcAft>
+              <a:buNone/>
+            </a:pPr>
+            <a:r>
+              <a:rPr lang="en"/>
+              <a:t>Part 2: Method - Sliding Window</a:t>
+            </a:r>
+            <a:endParaRPr/>
+          </a:p>
+        </p:txBody>
+      </p:sp>
+      <p:cxnSp>
+        <p:nvCxnSpPr>
+          <p:cNvPr id="170" name="Google Shape;170;p20"/>
+          <p:cNvCxnSpPr>
+            <a:stCxn id="171" idx="0"/>
+            <a:endCxn id="172" idx="2"/>
+          </p:cNvCxnSpPr>
+          <p:nvPr/>
+        </p:nvCxnSpPr>
+        <p:spPr>
+          <a:xfrm rot="-5400000">
+            <a:off x="4438950" y="2491425"/>
+            <a:ext cx="266700" cy="600"/>
+          </a:xfrm>
+          <a:prstGeom prst="bentConnector3">
+            <a:avLst>
+              <a:gd fmla="val 50000" name="adj1"/>
+            </a:avLst>
+          </a:prstGeom>
+          <a:noFill/>
+          <a:ln cap="flat" cmpd="sng" w="19050">
+            <a:solidFill>
+              <a:srgbClr val="C2C2C2"/>
+            </a:solidFill>
+            <a:prstDash val="solid"/>
+            <a:miter lim="8000"/>
+            <a:headEnd len="sm" w="sm" type="none"/>
+            <a:tailEnd len="sm" w="sm" type="none"/>
+          </a:ln>
+        </p:spPr>
+      </p:cxnSp>
+      <p:cxnSp>
+        <p:nvCxnSpPr>
+          <p:cNvPr id="173" name="Google Shape;173;p20"/>
+          <p:cNvCxnSpPr>
+            <a:stCxn id="174" idx="0"/>
+            <a:endCxn id="171" idx="2"/>
+          </p:cNvCxnSpPr>
+          <p:nvPr/>
+        </p:nvCxnSpPr>
+        <p:spPr>
+          <a:xfrm rot="-5400000">
+            <a:off x="4466850" y="3096388"/>
+            <a:ext cx="210900" cy="600"/>
+          </a:xfrm>
+          <a:prstGeom prst="bentConnector3">
+            <a:avLst>
+              <a:gd fmla="val 49967" name="adj1"/>
+            </a:avLst>
+          </a:prstGeom>
+          <a:noFill/>
+          <a:ln cap="flat" cmpd="sng" w="19050">
+            <a:solidFill>
+              <a:srgbClr val="C2C2C2"/>
+            </a:solidFill>
+            <a:prstDash val="solid"/>
+            <a:miter lim="8000"/>
+            <a:headEnd len="sm" w="sm" type="none"/>
+            <a:tailEnd len="sm" w="sm" type="none"/>
+          </a:ln>
+        </p:spPr>
+      </p:cxnSp>
+      <p:sp>
+        <p:nvSpPr>
+          <p:cNvPr id="172" name="Google Shape;172;p20"/>
+          <p:cNvSpPr txBox="1"/>
+          <p:nvPr/>
+        </p:nvSpPr>
+        <p:spPr>
+          <a:xfrm>
+            <a:off x="3664650" y="1992075"/>
+            <a:ext cx="1814700" cy="366300"/>
           </a:xfrm>
           <a:prstGeom prst="rect">
             <a:avLst/>
@@ -10858,7 +13035,7 @@
           </a:bodyPr>
           <a:lstStyle/>
           <a:p>
-            <a:pPr indent="0" lvl="0" marL="0" rtl="0" algn="l">
+            <a:pPr indent="0" lvl="0" marL="0" rtl="0" algn="ctr">
               <a:spcBef>
                 <a:spcPts val="0"/>
               </a:spcBef>
@@ -10877,7 +13054,7 @@
                 <a:cs typeface="Roboto"/>
                 <a:sym typeface="Roboto"/>
               </a:rPr>
-              <a:t>score = 0.5*SSIM + 0.5*(1 - MSE)</a:t>
+              <a:t>Input two consecutive frames</a:t>
             </a:r>
             <a:endParaRPr sz="1000">
               <a:solidFill>
@@ -10893,14 +13070,14 @@
       </p:sp>
       <p:sp>
         <p:nvSpPr>
-          <p:cNvPr id="142" name="Google Shape;142;p19"/>
+          <p:cNvPr id="171" name="Google Shape;171;p20"/>
           <p:cNvSpPr txBox="1"/>
           <p:nvPr/>
         </p:nvSpPr>
         <p:spPr>
           <a:xfrm>
-            <a:off x="3158250" y="4488400"/>
-            <a:ext cx="2827500" cy="366300"/>
+            <a:off x="3240900" y="2625075"/>
+            <a:ext cx="2662200" cy="366300"/>
           </a:xfrm>
           <a:prstGeom prst="rect">
             <a:avLst/>
@@ -10941,7 +13118,7 @@
                 <a:cs typeface="Roboto"/>
                 <a:sym typeface="Roboto"/>
               </a:rPr>
-              <a:t>If score &gt; threshold?</a:t>
+              <a:t>Calculate SSIM(missing frame, given frame) and MSE(missing frame, given frame)</a:t>
             </a:r>
             <a:endParaRPr sz="1000">
               <a:solidFill>
@@ -10957,7 +13134,135 @@
       </p:sp>
       <p:sp>
         <p:nvSpPr>
-          <p:cNvPr id="140" name="Google Shape;140;p19"/>
+          <p:cNvPr id="175" name="Google Shape;175;p20"/>
+          <p:cNvSpPr txBox="1"/>
+          <p:nvPr/>
+        </p:nvSpPr>
+        <p:spPr>
+          <a:xfrm>
+            <a:off x="3514800" y="3845275"/>
+            <a:ext cx="2118000" cy="366300"/>
+          </a:xfrm>
+          <a:prstGeom prst="rect">
+            <a:avLst/>
+          </a:prstGeom>
+          <a:noFill/>
+          <a:ln cap="flat" cmpd="sng" w="19050">
+            <a:solidFill>
+              <a:srgbClr val="A7291E"/>
+            </a:solidFill>
+            <a:prstDash val="solid"/>
+            <a:round/>
+            <a:headEnd len="sm" w="sm" type="none"/>
+            <a:tailEnd len="sm" w="sm" type="none"/>
+          </a:ln>
+        </p:spPr>
+        <p:txBody>
+          <a:bodyPr anchorCtr="0" anchor="ctr" bIns="91425" lIns="91425" spcFirstLastPara="1" rIns="91425" wrap="square" tIns="91425">
+            <a:noAutofit/>
+          </a:bodyPr>
+          <a:lstStyle/>
+          <a:p>
+            <a:pPr indent="0" lvl="0" marL="0" rtl="0" algn="l">
+              <a:spcBef>
+                <a:spcPts val="0"/>
+              </a:spcBef>
+              <a:spcAft>
+                <a:spcPts val="0"/>
+              </a:spcAft>
+              <a:buNone/>
+            </a:pPr>
+            <a:r>
+              <a:rPr lang="en" sz="1000">
+                <a:solidFill>
+                  <a:srgbClr val="A7291E"/>
+                </a:solidFill>
+                <a:latin typeface="Roboto"/>
+                <a:ea typeface="Roboto"/>
+                <a:cs typeface="Roboto"/>
+                <a:sym typeface="Roboto"/>
+              </a:rPr>
+              <a:t>score = 0.5*SSIM + 0.5*(1 - MSE)</a:t>
+            </a:r>
+            <a:endParaRPr sz="1000">
+              <a:solidFill>
+                <a:srgbClr val="A7291E"/>
+              </a:solidFill>
+              <a:latin typeface="Roboto"/>
+              <a:ea typeface="Roboto"/>
+              <a:cs typeface="Roboto"/>
+              <a:sym typeface="Roboto"/>
+            </a:endParaRPr>
+          </a:p>
+        </p:txBody>
+      </p:sp>
+      <p:sp>
+        <p:nvSpPr>
+          <p:cNvPr id="176" name="Google Shape;176;p20"/>
+          <p:cNvSpPr txBox="1"/>
+          <p:nvPr/>
+        </p:nvSpPr>
+        <p:spPr>
+          <a:xfrm>
+            <a:off x="3158250" y="4488400"/>
+            <a:ext cx="2827500" cy="366300"/>
+          </a:xfrm>
+          <a:prstGeom prst="rect">
+            <a:avLst/>
+          </a:prstGeom>
+          <a:noFill/>
+          <a:ln cap="flat" cmpd="sng" w="19050">
+            <a:solidFill>
+              <a:srgbClr val="A7291E"/>
+            </a:solidFill>
+            <a:prstDash val="solid"/>
+            <a:round/>
+            <a:headEnd len="sm" w="sm" type="none"/>
+            <a:tailEnd len="sm" w="sm" type="none"/>
+          </a:ln>
+        </p:spPr>
+        <p:txBody>
+          <a:bodyPr anchorCtr="0" anchor="ctr" bIns="91425" lIns="91425" spcFirstLastPara="1" rIns="91425" wrap="square" tIns="91425">
+            <a:noAutofit/>
+          </a:bodyPr>
+          <a:lstStyle/>
+          <a:p>
+            <a:pPr indent="0" lvl="0" marL="0" rtl="0" algn="ctr">
+              <a:spcBef>
+                <a:spcPts val="0"/>
+              </a:spcBef>
+              <a:spcAft>
+                <a:spcPts val="0"/>
+              </a:spcAft>
+              <a:buNone/>
+            </a:pPr>
+            <a:r>
+              <a:rPr lang="en" sz="1000">
+                <a:solidFill>
+                  <a:srgbClr val="A7291E"/>
+                </a:solidFill>
+                <a:latin typeface="Roboto"/>
+                <a:ea typeface="Roboto"/>
+                <a:cs typeface="Roboto"/>
+                <a:sym typeface="Roboto"/>
+              </a:rPr>
+              <a:t>If score &gt; threshold?</a:t>
+            </a:r>
+            <a:endParaRPr sz="1000">
+              <a:solidFill>
+                <a:srgbClr val="A7291E"/>
+              </a:solidFill>
+              <a:latin typeface="Roboto"/>
+              <a:ea typeface="Roboto"/>
+              <a:cs typeface="Roboto"/>
+              <a:sym typeface="Roboto"/>
+            </a:endParaRPr>
+          </a:p>
+        </p:txBody>
+      </p:sp>
+      <p:sp>
+        <p:nvSpPr>
+          <p:cNvPr id="174" name="Google Shape;174;p20"/>
           <p:cNvSpPr txBox="1"/>
           <p:nvPr/>
         </p:nvSpPr>
@@ -11021,10 +13326,10 @@
       </p:sp>
       <p:cxnSp>
         <p:nvCxnSpPr>
-          <p:cNvPr id="143" name="Google Shape;143;p19"/>
+          <p:cNvPr id="177" name="Google Shape;177;p20"/>
           <p:cNvCxnSpPr>
-            <a:stCxn id="141" idx="0"/>
-            <a:endCxn id="140" idx="2"/>
+            <a:stCxn id="175" idx="0"/>
+            <a:endCxn id="174" idx="2"/>
           </p:cNvCxnSpPr>
           <p:nvPr/>
         </p:nvCxnSpPr>
@@ -11052,7 +13357,7 @@
       </p:cxnSp>
       <p:sp>
         <p:nvSpPr>
-          <p:cNvPr id="144" name="Google Shape;144;p19"/>
+          <p:cNvPr id="178" name="Google Shape;178;p20"/>
           <p:cNvSpPr txBox="1"/>
           <p:nvPr/>
         </p:nvSpPr>
@@ -11126,7 +13431,19 @@
                 <a:cs typeface="Lato"/>
                 <a:sym typeface="Lato"/>
               </a:rPr>
-              <a:t>evaluate the similarity between two consecutive frames by weighted two metrics.</a:t>
+              <a:t>E</a:t>
+            </a:r>
+            <a:r>
+              <a:rPr lang="en" sz="1500">
+                <a:solidFill>
+                  <a:schemeClr val="accent1"/>
+                </a:solidFill>
+                <a:latin typeface="Lato"/>
+                <a:ea typeface="Lato"/>
+                <a:cs typeface="Lato"/>
+                <a:sym typeface="Lato"/>
+              </a:rPr>
+              <a:t>valuate the similarity between two consecutive frames by weighted two metrics.</a:t>
             </a:r>
             <a:endParaRPr b="1" sz="1500">
               <a:solidFill>
@@ -11142,9 +13459,9 @@
       </p:sp>
       <p:cxnSp>
         <p:nvCxnSpPr>
-          <p:cNvPr id="145" name="Google Shape;145;p19"/>
+          <p:cNvPr id="179" name="Google Shape;179;p20"/>
           <p:cNvCxnSpPr>
-            <a:stCxn id="142" idx="0"/>
+            <a:stCxn id="176" idx="0"/>
           </p:cNvCxnSpPr>
           <p:nvPr/>
         </p:nvCxnSpPr>
@@ -11172,7 +13489,7 @@
       </p:cxnSp>
       <p:sp>
         <p:nvSpPr>
-          <p:cNvPr id="146" name="Google Shape;146;p19"/>
+          <p:cNvPr id="180" name="Google Shape;180;p20"/>
           <p:cNvSpPr txBox="1"/>
           <p:nvPr/>
         </p:nvSpPr>
@@ -11222,7 +13539,7 @@
       </p:sp>
       <p:cxnSp>
         <p:nvCxnSpPr>
-          <p:cNvPr id="147" name="Google Shape;147;p19"/>
+          <p:cNvPr id="181" name="Google Shape;181;p20"/>
           <p:cNvCxnSpPr/>
           <p:nvPr/>
         </p:nvCxnSpPr>
@@ -11246,34 +13563,9 @@
           </a:ln>
         </p:spPr>
       </p:cxnSp>
-    </p:spTree>
-  </p:cSld>
-  <p:clrMapOvr>
-    <a:masterClrMapping/>
-  </p:clrMapOvr>
-</p:sld>
-</file>
-
-<file path=ppt/slides/slide8.xml><?xml version="1.0" encoding="utf-8"?>
-<p:sld xmlns:a="http://schemas.openxmlformats.org/drawingml/2006/main" xmlns:r="http://schemas.openxmlformats.org/officeDocument/2006/relationships" xmlns:mc="http://schemas.openxmlformats.org/markup-compatibility/2006" xmlns:mv="urn:schemas-microsoft-com:mac:vml" xmlns:p="http://schemas.openxmlformats.org/presentationml/2006/main" xmlns:c="http://schemas.openxmlformats.org/drawingml/2006/chart" xmlns:dgm="http://schemas.openxmlformats.org/drawingml/2006/diagram" xmlns:o="urn:schemas-microsoft-com:office:office" xmlns:v="urn:schemas-microsoft-com:vml" xmlns:pvml="urn:schemas-microsoft-com:office:powerpoint" xmlns:com="http://schemas.openxmlformats.org/drawingml/2006/compatibility" xmlns:p14="http://schemas.microsoft.com/office/powerpoint/2010/main" xmlns:p15="http://schemas.microsoft.com/office/powerpoint/2012/main" xmlns:ahyp="http://schemas.microsoft.com/office/drawing/2018/hyperlinkcolor">
-  <p:cSld>
-    <p:spTree>
-      <p:nvGrpSpPr>
-        <p:cNvPr id="151" name="Shape 151"/>
-        <p:cNvGrpSpPr/>
-        <p:nvPr/>
-      </p:nvGrpSpPr>
-      <p:grpSpPr>
-        <a:xfrm>
-          <a:off x="0" y="0"/>
-          <a:ext cx="0" cy="0"/>
-          <a:chOff x="0" y="0"/>
-          <a:chExt cx="0" cy="0"/>
-        </a:xfrm>
-      </p:grpSpPr>
       <p:pic>
         <p:nvPicPr>
-          <p:cNvPr id="152" name="Google Shape;152;p20"/>
+          <p:cNvPr id="182" name="Google Shape;182;p20"/>
           <p:cNvPicPr preferRelativeResize="0"/>
           <p:nvPr/>
         </p:nvPicPr>
@@ -11287,8 +13579,8 @@
         </p:blipFill>
         <p:spPr>
           <a:xfrm>
-            <a:off x="1086500" y="2281238"/>
-            <a:ext cx="6867525" cy="581025"/>
+            <a:off x="796988" y="544175"/>
+            <a:ext cx="1902438" cy="556575"/>
           </a:xfrm>
           <a:prstGeom prst="rect">
             <a:avLst/>
@@ -11299,26 +13591,84 @@
           </a:ln>
         </p:spPr>
       </p:pic>
+      <p:pic>
+        <p:nvPicPr>
+          <p:cNvPr id="183" name="Google Shape;183;p20"/>
+          <p:cNvPicPr preferRelativeResize="0"/>
+          <p:nvPr/>
+        </p:nvPicPr>
+        <p:blipFill>
+          <a:blip r:embed="rId4">
+            <a:alphaModFix/>
+          </a:blip>
+          <a:stretch>
+            <a:fillRect/>
+          </a:stretch>
+        </p:blipFill>
+        <p:spPr>
+          <a:xfrm>
+            <a:off x="7330625" y="568000"/>
+            <a:ext cx="556575" cy="556575"/>
+          </a:xfrm>
+          <a:prstGeom prst="rect">
+            <a:avLst/>
+          </a:prstGeom>
+          <a:noFill/>
+          <a:ln>
+            <a:noFill/>
+          </a:ln>
+        </p:spPr>
+      </p:pic>
+      <p:pic>
+        <p:nvPicPr>
+          <p:cNvPr id="184" name="Google Shape;184;p20"/>
+          <p:cNvPicPr preferRelativeResize="0"/>
+          <p:nvPr/>
+        </p:nvPicPr>
+        <p:blipFill>
+          <a:blip r:embed="rId5">
+            <a:alphaModFix/>
+          </a:blip>
+          <a:stretch>
+            <a:fillRect/>
+          </a:stretch>
+        </p:blipFill>
+        <p:spPr>
+          <a:xfrm>
+            <a:off x="5596001" y="520350"/>
+            <a:ext cx="1582523" cy="604225"/>
+          </a:xfrm>
+          <a:prstGeom prst="rect">
+            <a:avLst/>
+          </a:prstGeom>
+          <a:noFill/>
+          <a:ln>
+            <a:noFill/>
+          </a:ln>
+        </p:spPr>
+      </p:pic>
       <p:sp>
         <p:nvSpPr>
-          <p:cNvPr id="153" name="Google Shape;153;p20"/>
+          <p:cNvPr id="185" name="Google Shape;185;p20"/>
           <p:cNvSpPr txBox="1"/>
-          <p:nvPr>
-            <p:ph type="title"/>
-          </p:nvPr>
+          <p:nvPr/>
         </p:nvSpPr>
         <p:spPr>
           <a:xfrm>
-            <a:off x="729450" y="1318650"/>
-            <a:ext cx="7688700" cy="535200"/>
-          </a:xfrm>
-          <a:prstGeom prst="rect">
-            <a:avLst/>
-          </a:prstGeom>
+            <a:off x="7886900" y="628400"/>
+            <a:ext cx="1478400" cy="340500"/>
+          </a:xfrm>
+          <a:prstGeom prst="rect">
+            <a:avLst/>
+          </a:prstGeom>
+          <a:noFill/>
+          <a:ln>
+            <a:noFill/>
+          </a:ln>
         </p:spPr>
         <p:txBody>
           <a:bodyPr anchorCtr="0" anchor="t" bIns="91425" lIns="91425" spcFirstLastPara="1" rIns="91425" wrap="square" tIns="91425">
-            <a:normAutofit fontScale="90000"/>
+            <a:noAutofit/>
           </a:bodyPr>
           <a:lstStyle/>
           <a:p>
@@ -11332,89 +13682,26 @@
               <a:buNone/>
             </a:pPr>
             <a:r>
-              <a:rPr lang="en"/>
-              <a:t>Part 2: Method</a:t>
-            </a:r>
-            <a:endParaRPr/>
-          </a:p>
-        </p:txBody>
-      </p:sp>
-      <p:sp>
-        <p:nvSpPr>
-          <p:cNvPr id="154" name="Google Shape;154;p20"/>
-          <p:cNvSpPr txBox="1"/>
-          <p:nvPr>
-            <p:ph idx="1" type="body"/>
-          </p:nvPr>
-        </p:nvSpPr>
-        <p:spPr>
-          <a:xfrm>
-            <a:off x="729450" y="3109750"/>
-            <a:ext cx="7688700" cy="1336800"/>
-          </a:xfrm>
-          <a:prstGeom prst="rect">
-            <a:avLst/>
-          </a:prstGeom>
-        </p:spPr>
-        <p:txBody>
-          <a:bodyPr anchorCtr="0" anchor="t" bIns="91425" lIns="91425" spcFirstLastPara="1" rIns="91425" wrap="square" tIns="91425">
-            <a:normAutofit lnSpcReduction="20000"/>
-          </a:bodyPr>
-          <a:lstStyle/>
-          <a:p>
-            <a:pPr indent="0" lvl="0" marL="0" rtl="0" algn="l">
-              <a:spcBef>
-                <a:spcPts val="0"/>
-              </a:spcBef>
-              <a:spcAft>
-                <a:spcPts val="0"/>
-              </a:spcAft>
-              <a:buNone/>
-            </a:pPr>
-            <a:r>
-              <a:rPr b="1" lang="en" sz="1500"/>
-              <a:t>Load Frames</a:t>
-            </a:r>
-            <a:r>
-              <a:rPr lang="en" sz="1500"/>
-              <a:t>: Load and preprocess frames from the given dataset.</a:t>
-            </a:r>
-            <a:endParaRPr sz="1500"/>
-          </a:p>
-          <a:p>
-            <a:pPr indent="0" lvl="0" marL="0" rtl="0" algn="l">
-              <a:spcBef>
-                <a:spcPts val="1200"/>
-              </a:spcBef>
-              <a:spcAft>
-                <a:spcPts val="0"/>
-              </a:spcAft>
-              <a:buNone/>
-            </a:pPr>
-            <a:r>
-              <a:rPr b="1" lang="en" sz="1500"/>
-              <a:t>Sequence Creation</a:t>
-            </a:r>
-            <a:r>
-              <a:rPr lang="en" sz="1500"/>
-              <a:t>: Split frames into overlapping sequences of fixed length (e.g., 3 frames per sequence).</a:t>
-            </a:r>
-            <a:endParaRPr sz="1500"/>
-          </a:p>
-          <a:p>
-            <a:pPr indent="0" lvl="0" marL="0" rtl="0" algn="l">
-              <a:spcBef>
-                <a:spcPts val="1200"/>
-              </a:spcBef>
-              <a:spcAft>
-                <a:spcPts val="1200"/>
-              </a:spcAft>
-              <a:buNone/>
-            </a:pPr>
-            <a:r>
-              <a:t/>
-            </a:r>
-            <a:endParaRPr/>
+              <a:rPr b="1" lang="en" sz="2000">
+                <a:solidFill>
+                  <a:schemeClr val="accent1"/>
+                </a:solidFill>
+                <a:latin typeface="Lato"/>
+                <a:ea typeface="Lato"/>
+                <a:cs typeface="Lato"/>
+                <a:sym typeface="Lato"/>
+              </a:rPr>
+              <a:t>SIDI LAB</a:t>
+            </a:r>
+            <a:endParaRPr b="1" sz="2000">
+              <a:solidFill>
+                <a:schemeClr val="accent1"/>
+              </a:solidFill>
+              <a:latin typeface="Lato"/>
+              <a:ea typeface="Lato"/>
+              <a:cs typeface="Lato"/>
+              <a:sym typeface="Lato"/>
+            </a:endParaRPr>
           </a:p>
         </p:txBody>
       </p:sp>
@@ -11431,7 +13718,7 @@
   <p:cSld>
     <p:spTree>
       <p:nvGrpSpPr>
-        <p:cNvPr id="158" name="Shape 158"/>
+        <p:cNvPr id="189" name="Shape 189"/>
         <p:cNvGrpSpPr/>
         <p:nvPr/>
       </p:nvGrpSpPr>
@@ -11443,168 +13730,9 @@
           <a:chExt cx="0" cy="0"/>
         </a:xfrm>
       </p:grpSpPr>
-      <p:sp>
-        <p:nvSpPr>
-          <p:cNvPr id="159" name="Google Shape;159;p21"/>
-          <p:cNvSpPr txBox="1"/>
-          <p:nvPr>
-            <p:ph type="title"/>
-          </p:nvPr>
-        </p:nvSpPr>
-        <p:spPr>
-          <a:xfrm>
-            <a:off x="729450" y="1318650"/>
-            <a:ext cx="7688700" cy="535200"/>
-          </a:xfrm>
-          <a:prstGeom prst="rect">
-            <a:avLst/>
-          </a:prstGeom>
-        </p:spPr>
-        <p:txBody>
-          <a:bodyPr anchorCtr="0" anchor="t" bIns="91425" lIns="91425" spcFirstLastPara="1" rIns="91425" wrap="square" tIns="91425">
-            <a:normAutofit fontScale="90000"/>
-          </a:bodyPr>
-          <a:lstStyle/>
-          <a:p>
-            <a:pPr indent="0" lvl="0" marL="0" rtl="0" algn="l">
-              <a:spcBef>
-                <a:spcPts val="0"/>
-              </a:spcBef>
-              <a:spcAft>
-                <a:spcPts val="0"/>
-              </a:spcAft>
-              <a:buNone/>
-            </a:pPr>
-            <a:r>
-              <a:rPr lang="en"/>
-              <a:t>Part 2: Method</a:t>
-            </a:r>
-            <a:endParaRPr/>
-          </a:p>
-        </p:txBody>
-      </p:sp>
-      <p:sp>
-        <p:nvSpPr>
-          <p:cNvPr id="160" name="Google Shape;160;p21"/>
-          <p:cNvSpPr txBox="1"/>
-          <p:nvPr>
-            <p:ph idx="1" type="body"/>
-          </p:nvPr>
-        </p:nvSpPr>
-        <p:spPr>
-          <a:xfrm>
-            <a:off x="729450" y="3109750"/>
-            <a:ext cx="7688700" cy="2151900"/>
-          </a:xfrm>
-          <a:prstGeom prst="rect">
-            <a:avLst/>
-          </a:prstGeom>
-        </p:spPr>
-        <p:txBody>
-          <a:bodyPr anchorCtr="0" anchor="t" bIns="91425" lIns="91425" spcFirstLastPara="1" rIns="91425" wrap="square" tIns="91425">
-            <a:normAutofit lnSpcReduction="20000"/>
-          </a:bodyPr>
-          <a:lstStyle/>
-          <a:p>
-            <a:pPr indent="0" lvl="0" marL="0" rtl="0" algn="l">
-              <a:spcBef>
-                <a:spcPts val="0"/>
-              </a:spcBef>
-              <a:spcAft>
-                <a:spcPts val="0"/>
-              </a:spcAft>
-              <a:buNone/>
-            </a:pPr>
-            <a:r>
-              <a:rPr b="1" lang="en" sz="1500"/>
-              <a:t>Input Layer: </a:t>
-            </a:r>
-            <a:r>
-              <a:rPr lang="en" sz="1500"/>
-              <a:t>Accepts sequences of frames (e.g., 3 consecutive frames).</a:t>
-            </a:r>
-            <a:endParaRPr sz="1500"/>
-          </a:p>
-          <a:p>
-            <a:pPr indent="0" lvl="0" marL="0" rtl="0" algn="l">
-              <a:spcBef>
-                <a:spcPts val="1200"/>
-              </a:spcBef>
-              <a:spcAft>
-                <a:spcPts val="0"/>
-              </a:spcAft>
-              <a:buNone/>
-            </a:pPr>
-            <a:r>
-              <a:rPr b="1" lang="en" sz="1500"/>
-              <a:t>CNN Layers: </a:t>
-            </a:r>
-            <a:r>
-              <a:rPr lang="en" sz="1500"/>
-              <a:t>Extract spatial features from each frame in the sequence.</a:t>
-            </a:r>
-            <a:endParaRPr sz="1500"/>
-          </a:p>
-          <a:p>
-            <a:pPr indent="0" lvl="0" marL="0" rtl="0" algn="l">
-              <a:spcBef>
-                <a:spcPts val="1200"/>
-              </a:spcBef>
-              <a:spcAft>
-                <a:spcPts val="0"/>
-              </a:spcAft>
-              <a:buNone/>
-            </a:pPr>
-            <a:r>
-              <a:rPr b="1" lang="en" sz="1500"/>
-              <a:t>LSTM Layer: </a:t>
-            </a:r>
-            <a:r>
-              <a:rPr lang="en" sz="1500"/>
-              <a:t>Captures temporal dependencies across frames.</a:t>
-            </a:r>
-            <a:endParaRPr sz="1500"/>
-          </a:p>
-          <a:p>
-            <a:pPr indent="0" lvl="0" marL="0" rtl="0" algn="l">
-              <a:spcBef>
-                <a:spcPts val="1200"/>
-              </a:spcBef>
-              <a:spcAft>
-                <a:spcPts val="0"/>
-              </a:spcAft>
-              <a:buNone/>
-            </a:pPr>
-            <a:r>
-              <a:rPr b="1" lang="en" sz="1500"/>
-              <a:t>Output Layer: </a:t>
-            </a:r>
-            <a:r>
-              <a:rPr lang="en" sz="1500"/>
-              <a:t>Predicts the score for the next frame based on the learned sequence pattern.</a:t>
-            </a:r>
-            <a:endParaRPr sz="1500"/>
-          </a:p>
-          <a:p>
-            <a:pPr indent="0" lvl="0" marL="0" rtl="0" algn="l">
-              <a:spcBef>
-                <a:spcPts val="1200"/>
-              </a:spcBef>
-              <a:spcAft>
-                <a:spcPts val="1200"/>
-              </a:spcAft>
-              <a:buNone/>
-            </a:pPr>
-            <a:r>
-              <a:t/>
-            </a:r>
-            <a:endParaRPr/>
-          </a:p>
-        </p:txBody>
-      </p:sp>
       <p:pic>
         <p:nvPicPr>
-          <p:cNvPr id="161" name="Google Shape;161;p21"/>
+          <p:cNvPr id="190" name="Google Shape;190;p21"/>
           <p:cNvPicPr preferRelativeResize="0"/>
           <p:nvPr/>
         </p:nvPicPr>
@@ -11618,7 +13746,7 @@
         </p:blipFill>
         <p:spPr>
           <a:xfrm>
-            <a:off x="949875" y="2267488"/>
+            <a:off x="1086500" y="2281238"/>
             <a:ext cx="6867525" cy="581025"/>
           </a:xfrm>
           <a:prstGeom prst="rect">
@@ -11630,6 +13758,354 @@
           </a:ln>
         </p:spPr>
       </p:pic>
+      <p:sp>
+        <p:nvSpPr>
+          <p:cNvPr id="191" name="Google Shape;191;p21"/>
+          <p:cNvSpPr txBox="1"/>
+          <p:nvPr>
+            <p:ph type="title"/>
+          </p:nvPr>
+        </p:nvSpPr>
+        <p:spPr>
+          <a:xfrm>
+            <a:off x="729450" y="1318650"/>
+            <a:ext cx="7688700" cy="535200"/>
+          </a:xfrm>
+          <a:prstGeom prst="rect">
+            <a:avLst/>
+          </a:prstGeom>
+        </p:spPr>
+        <p:txBody>
+          <a:bodyPr anchorCtr="0" anchor="t" bIns="91425" lIns="91425" spcFirstLastPara="1" rIns="91425" wrap="square" tIns="91425">
+            <a:normAutofit fontScale="90000"/>
+          </a:bodyPr>
+          <a:lstStyle/>
+          <a:p>
+            <a:pPr indent="0" lvl="0" marL="0" rtl="0" algn="l">
+              <a:spcBef>
+                <a:spcPts val="0"/>
+              </a:spcBef>
+              <a:spcAft>
+                <a:spcPts val="0"/>
+              </a:spcAft>
+              <a:buNone/>
+            </a:pPr>
+            <a:r>
+              <a:rPr lang="en"/>
+              <a:t>Part 2: Method - LSTM Model</a:t>
+            </a:r>
+            <a:endParaRPr/>
+          </a:p>
+        </p:txBody>
+      </p:sp>
+      <p:sp>
+        <p:nvSpPr>
+          <p:cNvPr id="192" name="Google Shape;192;p21"/>
+          <p:cNvSpPr txBox="1"/>
+          <p:nvPr>
+            <p:ph idx="1" type="body"/>
+          </p:nvPr>
+        </p:nvSpPr>
+        <p:spPr>
+          <a:xfrm>
+            <a:off x="729450" y="3109750"/>
+            <a:ext cx="8277900" cy="1874700"/>
+          </a:xfrm>
+          <a:prstGeom prst="rect">
+            <a:avLst/>
+          </a:prstGeom>
+        </p:spPr>
+        <p:txBody>
+          <a:bodyPr anchorCtr="0" anchor="t" bIns="91425" lIns="91425" spcFirstLastPara="1" rIns="91425" wrap="square" tIns="91425">
+            <a:normAutofit fontScale="25000" lnSpcReduction="20000"/>
+          </a:bodyPr>
+          <a:lstStyle/>
+          <a:p>
+            <a:pPr indent="0" lvl="0" marL="0" rtl="0" algn="l">
+              <a:spcBef>
+                <a:spcPts val="0"/>
+              </a:spcBef>
+              <a:spcAft>
+                <a:spcPts val="0"/>
+              </a:spcAft>
+              <a:buNone/>
+            </a:pPr>
+            <a:r>
+              <a:rPr b="1" lang="en" sz="5934"/>
+              <a:t>Load Frames</a:t>
+            </a:r>
+            <a:r>
+              <a:rPr lang="en" sz="5934"/>
+              <a:t>: Load frames from the given dataset.</a:t>
+            </a:r>
+            <a:endParaRPr sz="5934"/>
+          </a:p>
+          <a:p>
+            <a:pPr indent="0" lvl="0" marL="0" rtl="0" algn="l">
+              <a:spcBef>
+                <a:spcPts val="1200"/>
+              </a:spcBef>
+              <a:spcAft>
+                <a:spcPts val="0"/>
+              </a:spcAft>
+              <a:buNone/>
+            </a:pPr>
+            <a:r>
+              <a:rPr b="1" lang="en" sz="5934"/>
+              <a:t>Preprocess Frames</a:t>
+            </a:r>
+            <a:r>
+              <a:rPr lang="en" sz="5934"/>
+              <a:t>: Resize frame  to (64.64))</a:t>
+            </a:r>
+            <a:endParaRPr sz="5934"/>
+          </a:p>
+          <a:p>
+            <a:pPr indent="0" lvl="0" marL="0" rtl="0" algn="l">
+              <a:spcBef>
+                <a:spcPts val="1200"/>
+              </a:spcBef>
+              <a:spcAft>
+                <a:spcPts val="0"/>
+              </a:spcAft>
+              <a:buNone/>
+            </a:pPr>
+            <a:r>
+              <a:rPr b="1" lang="en" sz="5934"/>
+              <a:t>Sequence Creation</a:t>
+            </a:r>
+            <a:r>
+              <a:rPr lang="en" sz="5934"/>
+              <a:t>: </a:t>
+            </a:r>
+            <a:endParaRPr sz="5934"/>
+          </a:p>
+          <a:p>
+            <a:pPr indent="-322810" lvl="0" marL="457200" rtl="0" algn="l">
+              <a:spcBef>
+                <a:spcPts val="1200"/>
+              </a:spcBef>
+              <a:spcAft>
+                <a:spcPts val="0"/>
+              </a:spcAft>
+              <a:buSzPct val="100000"/>
+              <a:buAutoNum type="arabicPeriod"/>
+            </a:pPr>
+            <a:r>
+              <a:rPr lang="en" sz="5934"/>
+              <a:t>Split frames into overlapping sequences of fixed length (e.g., 5 frames per sequence).</a:t>
+            </a:r>
+            <a:endParaRPr sz="5934"/>
+          </a:p>
+          <a:p>
+            <a:pPr indent="-322810" lvl="0" marL="457200" rtl="0" algn="l">
+              <a:spcBef>
+                <a:spcPts val="0"/>
+              </a:spcBef>
+              <a:spcAft>
+                <a:spcPts val="0"/>
+              </a:spcAft>
+              <a:buSzPct val="100000"/>
+              <a:buAutoNum type="arabicPeriod"/>
+            </a:pPr>
+            <a:r>
+              <a:rPr lang="en" sz="5934"/>
+              <a:t>For each sequence, create 5 sequence with one missing frame and record missing location.</a:t>
+            </a:r>
+            <a:endParaRPr sz="5934"/>
+          </a:p>
+          <a:p>
+            <a:pPr indent="-322810" lvl="0" marL="457200" rtl="0" algn="l">
+              <a:spcBef>
+                <a:spcPts val="0"/>
+              </a:spcBef>
+              <a:spcAft>
+                <a:spcPts val="0"/>
+              </a:spcAft>
+              <a:buSzPct val="100000"/>
+              <a:buAutoNum type="arabicPeriod"/>
+            </a:pPr>
+            <a:r>
+              <a:rPr lang="en" sz="5934"/>
+              <a:t>Create one 5-frame sequence without missing frame. </a:t>
+            </a:r>
+            <a:endParaRPr sz="5934"/>
+          </a:p>
+          <a:p>
+            <a:pPr indent="0" lvl="0" marL="457200" rtl="0" algn="l">
+              <a:spcBef>
+                <a:spcPts val="1200"/>
+              </a:spcBef>
+              <a:spcAft>
+                <a:spcPts val="0"/>
+              </a:spcAft>
+              <a:buNone/>
+            </a:pPr>
+            <a:r>
+              <a:rPr lang="en" sz="1900"/>
+              <a:t>.</a:t>
+            </a:r>
+            <a:endParaRPr sz="1900"/>
+          </a:p>
+          <a:p>
+            <a:pPr indent="0" lvl="0" marL="0" rtl="0" algn="l">
+              <a:spcBef>
+                <a:spcPts val="1200"/>
+              </a:spcBef>
+              <a:spcAft>
+                <a:spcPts val="1200"/>
+              </a:spcAft>
+              <a:buNone/>
+            </a:pPr>
+            <a:r>
+              <a:t/>
+            </a:r>
+            <a:endParaRPr/>
+          </a:p>
+        </p:txBody>
+      </p:sp>
+      <p:pic>
+        <p:nvPicPr>
+          <p:cNvPr id="193" name="Google Shape;193;p21"/>
+          <p:cNvPicPr preferRelativeResize="0"/>
+          <p:nvPr/>
+        </p:nvPicPr>
+        <p:blipFill>
+          <a:blip r:embed="rId4">
+            <a:alphaModFix/>
+          </a:blip>
+          <a:stretch>
+            <a:fillRect/>
+          </a:stretch>
+        </p:blipFill>
+        <p:spPr>
+          <a:xfrm>
+            <a:off x="796988" y="544175"/>
+            <a:ext cx="1902438" cy="556575"/>
+          </a:xfrm>
+          <a:prstGeom prst="rect">
+            <a:avLst/>
+          </a:prstGeom>
+          <a:noFill/>
+          <a:ln>
+            <a:noFill/>
+          </a:ln>
+        </p:spPr>
+      </p:pic>
+      <p:pic>
+        <p:nvPicPr>
+          <p:cNvPr id="194" name="Google Shape;194;p21"/>
+          <p:cNvPicPr preferRelativeResize="0"/>
+          <p:nvPr/>
+        </p:nvPicPr>
+        <p:blipFill>
+          <a:blip r:embed="rId5">
+            <a:alphaModFix/>
+          </a:blip>
+          <a:stretch>
+            <a:fillRect/>
+          </a:stretch>
+        </p:blipFill>
+        <p:spPr>
+          <a:xfrm>
+            <a:off x="7330625" y="568000"/>
+            <a:ext cx="556575" cy="556575"/>
+          </a:xfrm>
+          <a:prstGeom prst="rect">
+            <a:avLst/>
+          </a:prstGeom>
+          <a:noFill/>
+          <a:ln>
+            <a:noFill/>
+          </a:ln>
+        </p:spPr>
+      </p:pic>
+      <p:pic>
+        <p:nvPicPr>
+          <p:cNvPr id="195" name="Google Shape;195;p21"/>
+          <p:cNvPicPr preferRelativeResize="0"/>
+          <p:nvPr/>
+        </p:nvPicPr>
+        <p:blipFill>
+          <a:blip r:embed="rId6">
+            <a:alphaModFix/>
+          </a:blip>
+          <a:stretch>
+            <a:fillRect/>
+          </a:stretch>
+        </p:blipFill>
+        <p:spPr>
+          <a:xfrm>
+            <a:off x="5596001" y="520350"/>
+            <a:ext cx="1582523" cy="604225"/>
+          </a:xfrm>
+          <a:prstGeom prst="rect">
+            <a:avLst/>
+          </a:prstGeom>
+          <a:noFill/>
+          <a:ln>
+            <a:noFill/>
+          </a:ln>
+        </p:spPr>
+      </p:pic>
+      <p:sp>
+        <p:nvSpPr>
+          <p:cNvPr id="196" name="Google Shape;196;p21"/>
+          <p:cNvSpPr txBox="1"/>
+          <p:nvPr/>
+        </p:nvSpPr>
+        <p:spPr>
+          <a:xfrm>
+            <a:off x="7886900" y="628400"/>
+            <a:ext cx="1478400" cy="340500"/>
+          </a:xfrm>
+          <a:prstGeom prst="rect">
+            <a:avLst/>
+          </a:prstGeom>
+          <a:noFill/>
+          <a:ln>
+            <a:noFill/>
+          </a:ln>
+        </p:spPr>
+        <p:txBody>
+          <a:bodyPr anchorCtr="0" anchor="t" bIns="91425" lIns="91425" spcFirstLastPara="1" rIns="91425" wrap="square" tIns="91425">
+            <a:noAutofit/>
+          </a:bodyPr>
+          <a:lstStyle/>
+          <a:p>
+            <a:pPr indent="0" lvl="0" marL="0" rtl="0" algn="l">
+              <a:spcBef>
+                <a:spcPts val="0"/>
+              </a:spcBef>
+              <a:spcAft>
+                <a:spcPts val="0"/>
+              </a:spcAft>
+              <a:buNone/>
+            </a:pPr>
+            <a:r>
+              <a:rPr b="1" lang="en" sz="2000">
+                <a:solidFill>
+                  <a:schemeClr val="accent1"/>
+                </a:solidFill>
+                <a:latin typeface="Lato"/>
+                <a:ea typeface="Lato"/>
+                <a:cs typeface="Lato"/>
+                <a:sym typeface="Lato"/>
+              </a:rPr>
+              <a:t>SIDI LAB</a:t>
+            </a:r>
+            <a:endParaRPr b="1" sz="2000">
+              <a:solidFill>
+                <a:schemeClr val="accent1"/>
+              </a:solidFill>
+              <a:latin typeface="Lato"/>
+              <a:ea typeface="Lato"/>
+              <a:cs typeface="Lato"/>
+              <a:sym typeface="Lato"/>
+            </a:endParaRPr>
+          </a:p>
+        </p:txBody>
+      </p:sp>
     </p:spTree>
   </p:cSld>
   <p:clrMapOvr>
